--- a/PPT/Angular10-TSOO.pptx
+++ b/PPT/Angular10-TSOO.pptx
@@ -5,10 +5,10 @@
     <p:sldMasterId id="2147483653" r:id="rId1"/>
   </p:sldMasterIdLst>
   <p:notesMasterIdLst>
-    <p:notesMasterId r:id="rId49"/>
+    <p:notesMasterId r:id="rId50"/>
   </p:notesMasterIdLst>
   <p:handoutMasterIdLst>
-    <p:handoutMasterId r:id="rId50"/>
+    <p:handoutMasterId r:id="rId51"/>
   </p:handoutMasterIdLst>
   <p:sldIdLst>
     <p:sldId id="264" r:id="rId2"/>
@@ -53,11 +53,12 @@
     <p:sldId id="330" r:id="rId41"/>
     <p:sldId id="331" r:id="rId42"/>
     <p:sldId id="332" r:id="rId43"/>
-    <p:sldId id="333" r:id="rId44"/>
-    <p:sldId id="346" r:id="rId45"/>
-    <p:sldId id="334" r:id="rId46"/>
-    <p:sldId id="347" r:id="rId47"/>
-    <p:sldId id="284" r:id="rId48"/>
+    <p:sldId id="349" r:id="rId44"/>
+    <p:sldId id="333" r:id="rId45"/>
+    <p:sldId id="346" r:id="rId46"/>
+    <p:sldId id="334" r:id="rId47"/>
+    <p:sldId id="347" r:id="rId48"/>
+    <p:sldId id="284" r:id="rId49"/>
   </p:sldIdLst>
   <p:sldSz cx="9144000" cy="6858000" type="screen4x3"/>
   <p:notesSz cx="6648450" cy="9782175"/>
@@ -11547,7 +11548,7 @@
       </p:grpSpPr>
       <p:sp>
         <p:nvSpPr>
-          <p:cNvPr id="101378" name="Rectangle 6"/>
+          <p:cNvPr id="100354" name="Rectangle 6"/>
           <p:cNvSpPr>
             <a:spLocks noGrp="1" noChangeArrowheads="1"/>
           </p:cNvSpPr>
@@ -11717,7 +11718,7 @@
       </p:sp>
       <p:sp>
         <p:nvSpPr>
-          <p:cNvPr id="101379" name="Rectangle 7"/>
+          <p:cNvPr id="100355" name="Rectangle 7"/>
           <p:cNvSpPr>
             <a:spLocks noGrp="1" noChangeArrowheads="1"/>
           </p:cNvSpPr>
@@ -11882,7 +11883,7 @@
               <a:rPr lang="fr-FR" altLang="fr-FR" sz="800"/>
               <a:t>IV-</a:t>
             </a:r>
-            <a:fld id="{1105C893-FA6F-4635-94A4-D75BF522A70A}" type="slidenum">
+            <a:fld id="{A596B693-F0CA-4893-AC5F-6564D11C886D}" type="slidenum">
               <a:rPr lang="fr-FR" altLang="fr-FR" sz="800"/>
               <a:pPr eaLnBrk="1" hangingPunct="1">
                 <a:spcBef>
@@ -11897,7 +11898,7 @@
       </p:sp>
       <p:sp>
         <p:nvSpPr>
-          <p:cNvPr id="101380" name="Rectangle 2"/>
+          <p:cNvPr id="100356" name="Rectangle 2"/>
           <p:cNvSpPr>
             <a:spLocks noGrp="1" noRot="1" noChangeAspect="1" noChangeArrowheads="1" noTextEdit="1"/>
           </p:cNvSpPr>
@@ -11915,7 +11916,7 @@
       </p:sp>
       <p:sp>
         <p:nvSpPr>
-          <p:cNvPr id="101381" name="Rectangle 3"/>
+          <p:cNvPr id="100357" name="Rectangle 3"/>
           <p:cNvSpPr>
             <a:spLocks noGrp="1" noChangeArrowheads="1"/>
           </p:cNvSpPr>
@@ -11956,21 +11957,35 @@
                 <a:latin typeface="Arial" panose="020B0604020202020204" pitchFamily="34" charset="0"/>
                 <a:cs typeface="Arial" panose="020B0604020202020204" pitchFamily="34" charset="0"/>
               </a:rPr>
-              <a:t>Pour implémenter une interface, il faut utiliser le mot-clé </a:t>
+              <a:t>La création d’une interface se fait en utilisant le mot-clé </a:t>
             </a:r>
             <a:r>
               <a:rPr lang="fr-FR" altLang="fr-FR" smtClean="0">
                 <a:latin typeface="Courier New" panose="02070309020205020404" pitchFamily="49" charset="0"/>
                 <a:cs typeface="Arial" panose="020B0604020202020204" pitchFamily="34" charset="0"/>
               </a:rPr>
-              <a:t>implements</a:t>
+              <a:t>interface</a:t>
             </a:r>
             <a:r>
               <a:rPr lang="fr-FR" altLang="fr-FR" smtClean="0">
                 <a:latin typeface="Arial" panose="020B0604020202020204" pitchFamily="34" charset="0"/>
                 <a:cs typeface="Arial" panose="020B0604020202020204" pitchFamily="34" charset="0"/>
               </a:rPr>
-              <a:t>. Chaque méthode déclarée dans l’interface doit faire l’objet d’une implémentation. </a:t>
+              <a:t>. Bien que cela ne soit pas obligatoire, il est conseillé de précéder les constantes des mots-clés </a:t>
+            </a:r>
+            <a:r>
+              <a:rPr lang="fr-FR" altLang="fr-FR" smtClean="0">
+                <a:latin typeface="Courier New" panose="02070309020205020404" pitchFamily="49" charset="0"/>
+                <a:cs typeface="Arial" panose="020B0604020202020204" pitchFamily="34" charset="0"/>
+              </a:rPr>
+              <a:t>public static final</a:t>
+            </a:r>
+            <a:r>
+              <a:rPr lang="fr-FR" altLang="fr-FR" smtClean="0">
+                <a:latin typeface="Arial" panose="020B0604020202020204" pitchFamily="34" charset="0"/>
+                <a:cs typeface="Arial" panose="020B0604020202020204" pitchFamily="34" charset="0"/>
+              </a:rPr>
+              <a:t>. L’initialisation des constantes est obligatoire dans l’interface. Ensuite, il faut déclarer les méthodes avec leurs arguments ainsi que leur type de valeur de retour quand il y en a.</a:t>
             </a:r>
           </a:p>
         </p:txBody>
@@ -11978,7 +11993,7 @@
     </p:spTree>
     <p:extLst>
       <p:ext uri="{BB962C8B-B14F-4D97-AF65-F5344CB8AC3E}">
-        <p14:creationId xmlns:p14="http://schemas.microsoft.com/office/powerpoint/2010/main" val="3149751081"/>
+        <p14:creationId xmlns:p14="http://schemas.microsoft.com/office/powerpoint/2010/main" val="2228315038"/>
       </p:ext>
     </p:extLst>
   </p:cSld>
@@ -12425,6 +12440,466 @@
     <p:extLst>
       <p:ext uri="{BB962C8B-B14F-4D97-AF65-F5344CB8AC3E}">
         <p14:creationId xmlns:p14="http://schemas.microsoft.com/office/powerpoint/2010/main" val="3725927599"/>
+      </p:ext>
+    </p:extLst>
+  </p:cSld>
+  <p:clrMapOvr>
+    <a:masterClrMapping/>
+  </p:clrMapOvr>
+</p:notes>
+</file>
+
+<file path=ppt/notesSlides/notesSlide30.xml><?xml version="1.0" encoding="utf-8"?>
+<p:notes xmlns:a="http://schemas.openxmlformats.org/drawingml/2006/main" xmlns:r="http://schemas.openxmlformats.org/officeDocument/2006/relationships" xmlns:p="http://schemas.openxmlformats.org/presentationml/2006/main">
+  <p:cSld>
+    <p:spTree>
+      <p:nvGrpSpPr>
+        <p:cNvPr id="1" name=""/>
+        <p:cNvGrpSpPr/>
+        <p:nvPr/>
+      </p:nvGrpSpPr>
+      <p:grpSpPr>
+        <a:xfrm>
+          <a:off x="0" y="0"/>
+          <a:ext cx="0" cy="0"/>
+          <a:chOff x="0" y="0"/>
+          <a:chExt cx="0" cy="0"/>
+        </a:xfrm>
+      </p:grpSpPr>
+      <p:sp>
+        <p:nvSpPr>
+          <p:cNvPr id="101378" name="Rectangle 6"/>
+          <p:cNvSpPr>
+            <a:spLocks noGrp="1" noChangeArrowheads="1"/>
+          </p:cNvSpPr>
+          <p:nvPr>
+            <p:ph type="ftr" sz="quarter" idx="4"/>
+          </p:nvPr>
+        </p:nvSpPr>
+        <p:spPr>
+          <a:noFill/>
+          <a:ln/>
+          <a:extLst>
+            <a:ext uri="{909E8E84-426E-40DD-AFC4-6F175D3DCCD1}">
+              <a14:hiddenFill xmlns:a14="http://schemas.microsoft.com/office/drawing/2010/main">
+                <a:solidFill>
+                  <a:srgbClr val="FFFFFF"/>
+                </a:solidFill>
+              </a14:hiddenFill>
+            </a:ext>
+            <a:ext uri="{91240B29-F687-4F45-9708-019B960494DF}">
+              <a14:hiddenLine xmlns:a14="http://schemas.microsoft.com/office/drawing/2010/main" w="9525">
+                <a:solidFill>
+                  <a:srgbClr val="000000"/>
+                </a:solidFill>
+                <a:miter lim="800000"/>
+                <a:headEnd/>
+                <a:tailEnd/>
+              </a14:hiddenLine>
+            </a:ext>
+          </a:extLst>
+        </p:spPr>
+        <p:txBody>
+          <a:bodyPr/>
+          <a:lstStyle>
+            <a:lvl1pPr defTabSz="942975" eaLnBrk="0" hangingPunct="0">
+              <a:spcBef>
+                <a:spcPct val="30000"/>
+              </a:spcBef>
+              <a:defRPr sz="1000">
+                <a:solidFill>
+                  <a:schemeClr val="tx1"/>
+                </a:solidFill>
+                <a:latin typeface="Arial" panose="020B0604020202020204" pitchFamily="34" charset="0"/>
+                <a:cs typeface="Arial" panose="020B0604020202020204" pitchFamily="34" charset="0"/>
+              </a:defRPr>
+            </a:lvl1pPr>
+            <a:lvl2pPr marL="742950" indent="-285750" defTabSz="942975" eaLnBrk="0" hangingPunct="0">
+              <a:spcBef>
+                <a:spcPct val="30000"/>
+              </a:spcBef>
+              <a:defRPr sz="1000">
+                <a:solidFill>
+                  <a:schemeClr val="tx1"/>
+                </a:solidFill>
+                <a:latin typeface="Arial" panose="020B0604020202020204" pitchFamily="34" charset="0"/>
+                <a:cs typeface="Arial" panose="020B0604020202020204" pitchFamily="34" charset="0"/>
+              </a:defRPr>
+            </a:lvl2pPr>
+            <a:lvl3pPr marL="1143000" indent="-228600" defTabSz="942975" eaLnBrk="0" hangingPunct="0">
+              <a:spcBef>
+                <a:spcPct val="30000"/>
+              </a:spcBef>
+              <a:defRPr sz="1000">
+                <a:solidFill>
+                  <a:schemeClr val="tx1"/>
+                </a:solidFill>
+                <a:latin typeface="Arial" panose="020B0604020202020204" pitchFamily="34" charset="0"/>
+                <a:cs typeface="Arial" panose="020B0604020202020204" pitchFamily="34" charset="0"/>
+              </a:defRPr>
+            </a:lvl3pPr>
+            <a:lvl4pPr marL="1600200" indent="-228600" defTabSz="942975" eaLnBrk="0" hangingPunct="0">
+              <a:spcBef>
+                <a:spcPct val="30000"/>
+              </a:spcBef>
+              <a:defRPr sz="1000">
+                <a:solidFill>
+                  <a:schemeClr val="tx1"/>
+                </a:solidFill>
+                <a:latin typeface="Arial" panose="020B0604020202020204" pitchFamily="34" charset="0"/>
+                <a:cs typeface="Arial" panose="020B0604020202020204" pitchFamily="34" charset="0"/>
+              </a:defRPr>
+            </a:lvl4pPr>
+            <a:lvl5pPr marL="2057400" indent="-228600" defTabSz="942975" eaLnBrk="0" hangingPunct="0">
+              <a:spcBef>
+                <a:spcPct val="30000"/>
+              </a:spcBef>
+              <a:defRPr sz="1000">
+                <a:solidFill>
+                  <a:schemeClr val="tx1"/>
+                </a:solidFill>
+                <a:latin typeface="Arial" panose="020B0604020202020204" pitchFamily="34" charset="0"/>
+                <a:cs typeface="Arial" panose="020B0604020202020204" pitchFamily="34" charset="0"/>
+              </a:defRPr>
+            </a:lvl5pPr>
+            <a:lvl6pPr marL="2514600" indent="-228600" defTabSz="942975" eaLnBrk="0" fontAlgn="base" hangingPunct="0">
+              <a:spcBef>
+                <a:spcPct val="30000"/>
+              </a:spcBef>
+              <a:spcAft>
+                <a:spcPct val="0"/>
+              </a:spcAft>
+              <a:defRPr sz="1000">
+                <a:solidFill>
+                  <a:schemeClr val="tx1"/>
+                </a:solidFill>
+                <a:latin typeface="Arial" panose="020B0604020202020204" pitchFamily="34" charset="0"/>
+                <a:cs typeface="Arial" panose="020B0604020202020204" pitchFamily="34" charset="0"/>
+              </a:defRPr>
+            </a:lvl6pPr>
+            <a:lvl7pPr marL="2971800" indent="-228600" defTabSz="942975" eaLnBrk="0" fontAlgn="base" hangingPunct="0">
+              <a:spcBef>
+                <a:spcPct val="30000"/>
+              </a:spcBef>
+              <a:spcAft>
+                <a:spcPct val="0"/>
+              </a:spcAft>
+              <a:defRPr sz="1000">
+                <a:solidFill>
+                  <a:schemeClr val="tx1"/>
+                </a:solidFill>
+                <a:latin typeface="Arial" panose="020B0604020202020204" pitchFamily="34" charset="0"/>
+                <a:cs typeface="Arial" panose="020B0604020202020204" pitchFamily="34" charset="0"/>
+              </a:defRPr>
+            </a:lvl7pPr>
+            <a:lvl8pPr marL="3429000" indent="-228600" defTabSz="942975" eaLnBrk="0" fontAlgn="base" hangingPunct="0">
+              <a:spcBef>
+                <a:spcPct val="30000"/>
+              </a:spcBef>
+              <a:spcAft>
+                <a:spcPct val="0"/>
+              </a:spcAft>
+              <a:defRPr sz="1000">
+                <a:solidFill>
+                  <a:schemeClr val="tx1"/>
+                </a:solidFill>
+                <a:latin typeface="Arial" panose="020B0604020202020204" pitchFamily="34" charset="0"/>
+                <a:cs typeface="Arial" panose="020B0604020202020204" pitchFamily="34" charset="0"/>
+              </a:defRPr>
+            </a:lvl8pPr>
+            <a:lvl9pPr marL="3886200" indent="-228600" defTabSz="942975" eaLnBrk="0" fontAlgn="base" hangingPunct="0">
+              <a:spcBef>
+                <a:spcPct val="30000"/>
+              </a:spcBef>
+              <a:spcAft>
+                <a:spcPct val="0"/>
+              </a:spcAft>
+              <a:defRPr sz="1000">
+                <a:solidFill>
+                  <a:schemeClr val="tx1"/>
+                </a:solidFill>
+                <a:latin typeface="Arial" panose="020B0604020202020204" pitchFamily="34" charset="0"/>
+                <a:cs typeface="Arial" panose="020B0604020202020204" pitchFamily="34" charset="0"/>
+              </a:defRPr>
+            </a:lvl9pPr>
+          </a:lstStyle>
+          <a:p>
+            <a:pPr eaLnBrk="1" hangingPunct="1">
+              <a:spcBef>
+                <a:spcPct val="0"/>
+              </a:spcBef>
+            </a:pPr>
+            <a:r>
+              <a:rPr lang="fr-FR" altLang="fr-FR" sz="800" smtClean="0"/>
+              <a:t>© HANDSHAKE – Philippe MASINA</a:t>
+            </a:r>
+          </a:p>
+        </p:txBody>
+      </p:sp>
+      <p:sp>
+        <p:nvSpPr>
+          <p:cNvPr id="101379" name="Rectangle 7"/>
+          <p:cNvSpPr>
+            <a:spLocks noGrp="1" noChangeArrowheads="1"/>
+          </p:cNvSpPr>
+          <p:nvPr>
+            <p:ph type="sldNum" sz="quarter" idx="5"/>
+          </p:nvPr>
+        </p:nvSpPr>
+        <p:spPr>
+          <a:noFill/>
+          <a:ln/>
+          <a:extLst>
+            <a:ext uri="{909E8E84-426E-40DD-AFC4-6F175D3DCCD1}">
+              <a14:hiddenFill xmlns:a14="http://schemas.microsoft.com/office/drawing/2010/main">
+                <a:solidFill>
+                  <a:srgbClr val="FFFFFF"/>
+                </a:solidFill>
+              </a14:hiddenFill>
+            </a:ext>
+            <a:ext uri="{91240B29-F687-4F45-9708-019B960494DF}">
+              <a14:hiddenLine xmlns:a14="http://schemas.microsoft.com/office/drawing/2010/main" w="9525">
+                <a:solidFill>
+                  <a:srgbClr val="000000"/>
+                </a:solidFill>
+                <a:miter lim="800000"/>
+                <a:headEnd/>
+                <a:tailEnd/>
+              </a14:hiddenLine>
+            </a:ext>
+          </a:extLst>
+        </p:spPr>
+        <p:txBody>
+          <a:bodyPr/>
+          <a:lstStyle>
+            <a:lvl1pPr defTabSz="942975" eaLnBrk="0" hangingPunct="0">
+              <a:spcBef>
+                <a:spcPct val="30000"/>
+              </a:spcBef>
+              <a:defRPr sz="1000">
+                <a:solidFill>
+                  <a:schemeClr val="tx1"/>
+                </a:solidFill>
+                <a:latin typeface="Arial" panose="020B0604020202020204" pitchFamily="34" charset="0"/>
+                <a:cs typeface="Arial" panose="020B0604020202020204" pitchFamily="34" charset="0"/>
+              </a:defRPr>
+            </a:lvl1pPr>
+            <a:lvl2pPr marL="742950" indent="-285750" defTabSz="942975" eaLnBrk="0" hangingPunct="0">
+              <a:spcBef>
+                <a:spcPct val="30000"/>
+              </a:spcBef>
+              <a:defRPr sz="1000">
+                <a:solidFill>
+                  <a:schemeClr val="tx1"/>
+                </a:solidFill>
+                <a:latin typeface="Arial" panose="020B0604020202020204" pitchFamily="34" charset="0"/>
+                <a:cs typeface="Arial" panose="020B0604020202020204" pitchFamily="34" charset="0"/>
+              </a:defRPr>
+            </a:lvl2pPr>
+            <a:lvl3pPr marL="1143000" indent="-228600" defTabSz="942975" eaLnBrk="0" hangingPunct="0">
+              <a:spcBef>
+                <a:spcPct val="30000"/>
+              </a:spcBef>
+              <a:defRPr sz="1000">
+                <a:solidFill>
+                  <a:schemeClr val="tx1"/>
+                </a:solidFill>
+                <a:latin typeface="Arial" panose="020B0604020202020204" pitchFamily="34" charset="0"/>
+                <a:cs typeface="Arial" panose="020B0604020202020204" pitchFamily="34" charset="0"/>
+              </a:defRPr>
+            </a:lvl3pPr>
+            <a:lvl4pPr marL="1600200" indent="-228600" defTabSz="942975" eaLnBrk="0" hangingPunct="0">
+              <a:spcBef>
+                <a:spcPct val="30000"/>
+              </a:spcBef>
+              <a:defRPr sz="1000">
+                <a:solidFill>
+                  <a:schemeClr val="tx1"/>
+                </a:solidFill>
+                <a:latin typeface="Arial" panose="020B0604020202020204" pitchFamily="34" charset="0"/>
+                <a:cs typeface="Arial" panose="020B0604020202020204" pitchFamily="34" charset="0"/>
+              </a:defRPr>
+            </a:lvl4pPr>
+            <a:lvl5pPr marL="2057400" indent="-228600" defTabSz="942975" eaLnBrk="0" hangingPunct="0">
+              <a:spcBef>
+                <a:spcPct val="30000"/>
+              </a:spcBef>
+              <a:defRPr sz="1000">
+                <a:solidFill>
+                  <a:schemeClr val="tx1"/>
+                </a:solidFill>
+                <a:latin typeface="Arial" panose="020B0604020202020204" pitchFamily="34" charset="0"/>
+                <a:cs typeface="Arial" panose="020B0604020202020204" pitchFamily="34" charset="0"/>
+              </a:defRPr>
+            </a:lvl5pPr>
+            <a:lvl6pPr marL="2514600" indent="-228600" defTabSz="942975" eaLnBrk="0" fontAlgn="base" hangingPunct="0">
+              <a:spcBef>
+                <a:spcPct val="30000"/>
+              </a:spcBef>
+              <a:spcAft>
+                <a:spcPct val="0"/>
+              </a:spcAft>
+              <a:defRPr sz="1000">
+                <a:solidFill>
+                  <a:schemeClr val="tx1"/>
+                </a:solidFill>
+                <a:latin typeface="Arial" panose="020B0604020202020204" pitchFamily="34" charset="0"/>
+                <a:cs typeface="Arial" panose="020B0604020202020204" pitchFamily="34" charset="0"/>
+              </a:defRPr>
+            </a:lvl6pPr>
+            <a:lvl7pPr marL="2971800" indent="-228600" defTabSz="942975" eaLnBrk="0" fontAlgn="base" hangingPunct="0">
+              <a:spcBef>
+                <a:spcPct val="30000"/>
+              </a:spcBef>
+              <a:spcAft>
+                <a:spcPct val="0"/>
+              </a:spcAft>
+              <a:defRPr sz="1000">
+                <a:solidFill>
+                  <a:schemeClr val="tx1"/>
+                </a:solidFill>
+                <a:latin typeface="Arial" panose="020B0604020202020204" pitchFamily="34" charset="0"/>
+                <a:cs typeface="Arial" panose="020B0604020202020204" pitchFamily="34" charset="0"/>
+              </a:defRPr>
+            </a:lvl7pPr>
+            <a:lvl8pPr marL="3429000" indent="-228600" defTabSz="942975" eaLnBrk="0" fontAlgn="base" hangingPunct="0">
+              <a:spcBef>
+                <a:spcPct val="30000"/>
+              </a:spcBef>
+              <a:spcAft>
+                <a:spcPct val="0"/>
+              </a:spcAft>
+              <a:defRPr sz="1000">
+                <a:solidFill>
+                  <a:schemeClr val="tx1"/>
+                </a:solidFill>
+                <a:latin typeface="Arial" panose="020B0604020202020204" pitchFamily="34" charset="0"/>
+                <a:cs typeface="Arial" panose="020B0604020202020204" pitchFamily="34" charset="0"/>
+              </a:defRPr>
+            </a:lvl8pPr>
+            <a:lvl9pPr marL="3886200" indent="-228600" defTabSz="942975" eaLnBrk="0" fontAlgn="base" hangingPunct="0">
+              <a:spcBef>
+                <a:spcPct val="30000"/>
+              </a:spcBef>
+              <a:spcAft>
+                <a:spcPct val="0"/>
+              </a:spcAft>
+              <a:defRPr sz="1000">
+                <a:solidFill>
+                  <a:schemeClr val="tx1"/>
+                </a:solidFill>
+                <a:latin typeface="Arial" panose="020B0604020202020204" pitchFamily="34" charset="0"/>
+                <a:cs typeface="Arial" panose="020B0604020202020204" pitchFamily="34" charset="0"/>
+              </a:defRPr>
+            </a:lvl9pPr>
+          </a:lstStyle>
+          <a:p>
+            <a:pPr eaLnBrk="1" hangingPunct="1">
+              <a:spcBef>
+                <a:spcPct val="0"/>
+              </a:spcBef>
+            </a:pPr>
+            <a:r>
+              <a:rPr lang="fr-FR" altLang="fr-FR" sz="800"/>
+              <a:t>IV-</a:t>
+            </a:r>
+            <a:fld id="{1105C893-FA6F-4635-94A4-D75BF522A70A}" type="slidenum">
+              <a:rPr lang="fr-FR" altLang="fr-FR" sz="800"/>
+              <a:pPr eaLnBrk="1" hangingPunct="1">
+                <a:spcBef>
+                  <a:spcPct val="0"/>
+                </a:spcBef>
+              </a:pPr>
+              <a:t>44</a:t>
+            </a:fld>
+            <a:endParaRPr lang="fr-FR" altLang="fr-FR" sz="800"/>
+          </a:p>
+        </p:txBody>
+      </p:sp>
+      <p:sp>
+        <p:nvSpPr>
+          <p:cNvPr id="101380" name="Rectangle 2"/>
+          <p:cNvSpPr>
+            <a:spLocks noGrp="1" noRot="1" noChangeAspect="1" noChangeArrowheads="1" noTextEdit="1"/>
+          </p:cNvSpPr>
+          <p:nvPr>
+            <p:ph type="sldImg"/>
+          </p:nvPr>
+        </p:nvSpPr>
+        <p:spPr>
+          <a:xfrm>
+            <a:off x="877888" y="733425"/>
+            <a:ext cx="4892675" cy="3670300"/>
+          </a:xfrm>
+          <a:ln/>
+        </p:spPr>
+      </p:sp>
+      <p:sp>
+        <p:nvSpPr>
+          <p:cNvPr id="101381" name="Rectangle 3"/>
+          <p:cNvSpPr>
+            <a:spLocks noGrp="1" noChangeArrowheads="1"/>
+          </p:cNvSpPr>
+          <p:nvPr>
+            <p:ph type="body" idx="1"/>
+          </p:nvPr>
+        </p:nvSpPr>
+        <p:spPr>
+          <a:noFill/>
+          <a:ln/>
+          <a:extLst>
+            <a:ext uri="{909E8E84-426E-40DD-AFC4-6F175D3DCCD1}">
+              <a14:hiddenFill xmlns:a14="http://schemas.microsoft.com/office/drawing/2010/main">
+                <a:solidFill>
+                  <a:srgbClr val="FFFFFF"/>
+                </a:solidFill>
+              </a14:hiddenFill>
+            </a:ext>
+            <a:ext uri="{91240B29-F687-4F45-9708-019B960494DF}">
+              <a14:hiddenLine xmlns:a14="http://schemas.microsoft.com/office/drawing/2010/main" w="9525">
+                <a:solidFill>
+                  <a:srgbClr val="000000"/>
+                </a:solidFill>
+                <a:miter lim="800000"/>
+                <a:headEnd/>
+                <a:tailEnd/>
+              </a14:hiddenLine>
+            </a:ext>
+          </a:extLst>
+        </p:spPr>
+        <p:txBody>
+          <a:bodyPr/>
+          <a:lstStyle/>
+          <a:p>
+            <a:pPr eaLnBrk="1" hangingPunct="1"/>
+            <a:r>
+              <a:rPr lang="fr-FR" altLang="fr-FR" smtClean="0">
+                <a:latin typeface="Arial" panose="020B0604020202020204" pitchFamily="34" charset="0"/>
+                <a:cs typeface="Arial" panose="020B0604020202020204" pitchFamily="34" charset="0"/>
+              </a:rPr>
+              <a:t>Pour implémenter une interface, il faut utiliser le mot-clé </a:t>
+            </a:r>
+            <a:r>
+              <a:rPr lang="fr-FR" altLang="fr-FR" smtClean="0">
+                <a:latin typeface="Courier New" panose="02070309020205020404" pitchFamily="49" charset="0"/>
+                <a:cs typeface="Arial" panose="020B0604020202020204" pitchFamily="34" charset="0"/>
+              </a:rPr>
+              <a:t>implements</a:t>
+            </a:r>
+            <a:r>
+              <a:rPr lang="fr-FR" altLang="fr-FR" smtClean="0">
+                <a:latin typeface="Arial" panose="020B0604020202020204" pitchFamily="34" charset="0"/>
+                <a:cs typeface="Arial" panose="020B0604020202020204" pitchFamily="34" charset="0"/>
+              </a:rPr>
+              <a:t>. Chaque méthode déclarée dans l’interface doit faire l’objet d’une implémentation. </a:t>
+            </a:r>
+          </a:p>
+        </p:txBody>
+      </p:sp>
+    </p:spTree>
+    <p:extLst>
+      <p:ext uri="{BB962C8B-B14F-4D97-AF65-F5344CB8AC3E}">
+        <p14:creationId xmlns:p14="http://schemas.microsoft.com/office/powerpoint/2010/main" val="3149751081"/>
       </p:ext>
     </p:extLst>
   </p:cSld>
@@ -18092,11 +18567,7 @@
             <a:pPr eaLnBrk="1" hangingPunct="1"/>
             <a:r>
               <a:rPr lang="fr-FR" altLang="fr-FR" smtClean="0"/>
-              <a:t>Chapitre </a:t>
-            </a:r>
-            <a:r>
-              <a:rPr lang="fr-FR" altLang="fr-FR" smtClean="0"/>
-              <a:t>10</a:t>
+              <a:t>Chapitre 10</a:t>
             </a:r>
             <a:endParaRPr lang="fr-FR" altLang="fr-FR" dirty="0" smtClean="0"/>
           </a:p>
@@ -36737,36 +37208,176 @@
           <a:p>
             <a:r>
               <a:rPr lang="fr-FR" kern="0" dirty="0" smtClean="0"/>
-              <a:t>Interface comme en Java</a:t>
-            </a:r>
+              <a:t>Interface comme en </a:t>
+            </a:r>
+            <a:r>
+              <a:rPr lang="fr-FR" kern="0" dirty="0" smtClean="0"/>
+              <a:t>Java</a:t>
+            </a:r>
+          </a:p>
+          <a:p>
+            <a:pPr marL="457200" lvl="1" indent="0">
+              <a:buNone/>
+            </a:pPr>
+            <a:r>
+              <a:rPr lang="fr-FR" dirty="0"/>
+              <a:t>interface </a:t>
+            </a:r>
+            <a:r>
+              <a:rPr lang="fr-FR" dirty="0" err="1"/>
+              <a:t>ClockInterface</a:t>
+            </a:r>
+            <a:r>
+              <a:rPr lang="fr-FR" dirty="0"/>
+              <a:t> { </a:t>
+            </a:r>
+            <a:r>
+              <a:rPr lang="fr-FR" dirty="0" err="1"/>
+              <a:t>tick</a:t>
+            </a:r>
+            <a:r>
+              <a:rPr lang="fr-FR" dirty="0"/>
+              <a:t>(); </a:t>
+            </a:r>
+            <a:r>
+              <a:rPr lang="fr-FR" dirty="0" smtClean="0"/>
+              <a:t>}</a:t>
+            </a:r>
+          </a:p>
+          <a:p>
+            <a:pPr marL="457200" lvl="1" indent="0">
+              <a:buNone/>
+            </a:pPr>
+            <a:r>
+              <a:rPr lang="fr-FR" dirty="0"/>
+              <a:t>class </a:t>
+            </a:r>
+            <a:r>
+              <a:rPr lang="fr-FR" dirty="0" err="1"/>
+              <a:t>DigitalClock</a:t>
+            </a:r>
+            <a:r>
+              <a:rPr lang="fr-FR" dirty="0"/>
+              <a:t> </a:t>
+            </a:r>
+            <a:r>
+              <a:rPr lang="fr-FR" dirty="0" err="1"/>
+              <a:t>implements</a:t>
+            </a:r>
+            <a:r>
+              <a:rPr lang="fr-FR" dirty="0"/>
+              <a:t> </a:t>
+            </a:r>
+            <a:r>
+              <a:rPr lang="fr-FR" dirty="0" err="1"/>
+              <a:t>ClockInterface</a:t>
+            </a:r>
+            <a:r>
+              <a:rPr lang="fr-FR" dirty="0"/>
+              <a:t> </a:t>
+            </a:r>
+            <a:r>
+              <a:rPr lang="fr-FR" dirty="0" smtClean="0"/>
+              <a:t>{</a:t>
+            </a:r>
+          </a:p>
+          <a:p>
+            <a:pPr marL="457200" lvl="1" indent="0">
+              <a:buNone/>
+            </a:pPr>
+            <a:r>
+              <a:rPr lang="fr-FR" dirty="0" smtClean="0"/>
+              <a:t>	</a:t>
+            </a:r>
+            <a:r>
+              <a:rPr lang="fr-FR" dirty="0" err="1" smtClean="0"/>
+              <a:t>constructor</a:t>
+            </a:r>
+            <a:r>
+              <a:rPr lang="fr-FR" dirty="0" smtClean="0"/>
+              <a:t>(h</a:t>
+            </a:r>
+            <a:r>
+              <a:rPr lang="fr-FR" dirty="0"/>
+              <a:t>: </a:t>
+            </a:r>
+            <a:r>
+              <a:rPr lang="fr-FR" dirty="0" err="1"/>
+              <a:t>number</a:t>
+            </a:r>
+            <a:r>
+              <a:rPr lang="fr-FR" dirty="0"/>
+              <a:t>, m: </a:t>
+            </a:r>
+            <a:r>
+              <a:rPr lang="fr-FR" dirty="0" err="1"/>
+              <a:t>number</a:t>
+            </a:r>
+            <a:r>
+              <a:rPr lang="fr-FR" dirty="0"/>
+              <a:t>) { </a:t>
+            </a:r>
+            <a:r>
+              <a:rPr lang="fr-FR" dirty="0" smtClean="0"/>
+              <a:t>}</a:t>
+            </a:r>
+          </a:p>
+          <a:p>
+            <a:pPr marL="457200" lvl="1" indent="0">
+              <a:buNone/>
+            </a:pPr>
+            <a:r>
+              <a:rPr lang="fr-FR" dirty="0"/>
+              <a:t>	</a:t>
+            </a:r>
+            <a:r>
+              <a:rPr lang="fr-FR" dirty="0" err="1" smtClean="0"/>
+              <a:t>tick</a:t>
+            </a:r>
+            <a:r>
+              <a:rPr lang="fr-FR" dirty="0"/>
+              <a:t>() { console.log("</a:t>
+            </a:r>
+            <a:r>
+              <a:rPr lang="fr-FR" dirty="0" err="1"/>
+              <a:t>beep</a:t>
+            </a:r>
+            <a:r>
+              <a:rPr lang="fr-FR" dirty="0"/>
+              <a:t> </a:t>
+            </a:r>
+            <a:r>
+              <a:rPr lang="fr-FR" dirty="0" err="1"/>
+              <a:t>beep</a:t>
+            </a:r>
+            <a:r>
+              <a:rPr lang="fr-FR" dirty="0"/>
+              <a:t>"); </a:t>
+            </a:r>
+            <a:r>
+              <a:rPr lang="fr-FR" dirty="0" smtClean="0"/>
+              <a:t>}</a:t>
+            </a:r>
+          </a:p>
+          <a:p>
+            <a:pPr marL="457200" lvl="1" indent="0">
+              <a:buNone/>
+            </a:pPr>
+            <a:r>
+              <a:rPr lang="fr-FR" dirty="0" smtClean="0"/>
+              <a:t> </a:t>
+            </a:r>
+            <a:r>
+              <a:rPr lang="fr-FR" dirty="0"/>
+              <a:t>}</a:t>
+            </a:r>
+            <a:endParaRPr lang="fr-FR" dirty="0" smtClean="0"/>
+          </a:p>
+          <a:p>
             <a:endParaRPr lang="fr-FR" kern="0" dirty="0"/>
           </a:p>
         </p:txBody>
       </p:sp>
-      <p:pic>
-        <p:nvPicPr>
-          <p:cNvPr id="4" name="Image 3"/>
-          <p:cNvPicPr>
-            <a:picLocks noChangeAspect="1"/>
-          </p:cNvPicPr>
-          <p:nvPr/>
-        </p:nvPicPr>
-        <p:blipFill>
-          <a:blip r:embed="rId3"/>
-          <a:stretch>
-            <a:fillRect/>
-          </a:stretch>
-        </p:blipFill>
-        <p:spPr>
-          <a:xfrm>
-            <a:off x="2914650" y="2595562"/>
-            <a:ext cx="3314700" cy="1666875"/>
-          </a:xfrm>
-          <a:prstGeom prst="rect">
-            <a:avLst/>
-          </a:prstGeom>
-        </p:spPr>
-      </p:pic>
     </p:spTree>
     <p:extLst>
       <p:ext uri="{BB962C8B-B14F-4D97-AF65-F5344CB8AC3E}">
@@ -36807,7 +37418,7 @@
       </p:grpSpPr>
       <p:sp>
         <p:nvSpPr>
-          <p:cNvPr id="51202" name="Rectangle 2"/>
+          <p:cNvPr id="50178" name="Rectangle 2"/>
           <p:cNvSpPr>
             <a:spLocks noGrp="1" noChangeArrowheads="1"/>
           </p:cNvSpPr>
@@ -36822,9 +37433,14 @@
           <a:p>
             <a:pPr eaLnBrk="1" hangingPunct="1"/>
             <a:r>
-              <a:rPr lang="fr-FR" altLang="fr-FR" smtClean="0"/>
-              <a:t>Les interfaces - Implémentation</a:t>
-            </a:r>
+              <a:rPr lang="fr-FR" altLang="fr-FR" dirty="0" smtClean="0"/>
+              <a:t>Les interfaces </a:t>
+            </a:r>
+            <a:r>
+              <a:rPr lang="fr-FR" altLang="fr-FR" dirty="0" smtClean="0"/>
+              <a:t>d'attributs</a:t>
+            </a:r>
+            <a:endParaRPr lang="fr-FR" altLang="fr-FR" dirty="0" smtClean="0"/>
           </a:p>
         </p:txBody>
       </p:sp>
@@ -36993,21 +37609,7 @@
           <a:p>
             <a:r>
               <a:rPr lang="fr-FR" kern="0" dirty="0" smtClean="0"/>
-              <a:t>Implémentation anonyme</a:t>
-            </a:r>
-          </a:p>
-          <a:p>
-            <a:pPr lvl="1"/>
-            <a:r>
-              <a:rPr lang="fr-FR" kern="0" dirty="0" smtClean="0"/>
-              <a:t>Sans créer de sous classe</a:t>
-            </a:r>
-          </a:p>
-          <a:p>
-            <a:pPr lvl="1"/>
-            <a:r>
-              <a:rPr lang="fr-FR" kern="0" dirty="0" smtClean="0"/>
-              <a:t>Constructeur JSON</a:t>
+              <a:t>Très utilisé comme contrat JSON</a:t>
             </a:r>
             <a:endParaRPr lang="fr-FR" kern="0" dirty="0"/>
           </a:p>
@@ -37029,7 +37631,347 @@
         </p:blipFill>
         <p:spPr>
           <a:xfrm>
-            <a:off x="3219512" y="3446511"/>
+            <a:off x="2914650" y="2595562"/>
+            <a:ext cx="3314700" cy="1666875"/>
+          </a:xfrm>
+          <a:prstGeom prst="rect">
+            <a:avLst/>
+          </a:prstGeom>
+        </p:spPr>
+      </p:pic>
+    </p:spTree>
+    <p:extLst>
+      <p:ext uri="{BB962C8B-B14F-4D97-AF65-F5344CB8AC3E}">
+        <p14:creationId xmlns:p14="http://schemas.microsoft.com/office/powerpoint/2010/main" val="3761864844"/>
+      </p:ext>
+    </p:extLst>
+  </p:cSld>
+  <p:clrMapOvr>
+    <a:masterClrMapping/>
+  </p:clrMapOvr>
+  <p:transition/>
+  <p:timing>
+    <p:tnLst>
+      <p:par>
+        <p:cTn id="1" dur="indefinite" restart="never" nodeType="tmRoot"/>
+      </p:par>
+    </p:tnLst>
+  </p:timing>
+</p:sld>
+</file>
+
+<file path=ppt/slides/slide44.xml><?xml version="1.0" encoding="utf-8"?>
+<p:sld xmlns:a="http://schemas.openxmlformats.org/drawingml/2006/main" xmlns:r="http://schemas.openxmlformats.org/officeDocument/2006/relationships" xmlns:p="http://schemas.openxmlformats.org/presentationml/2006/main">
+  <p:cSld>
+    <p:spTree>
+      <p:nvGrpSpPr>
+        <p:cNvPr id="1" name=""/>
+        <p:cNvGrpSpPr/>
+        <p:nvPr/>
+      </p:nvGrpSpPr>
+      <p:grpSpPr>
+        <a:xfrm>
+          <a:off x="0" y="0"/>
+          <a:ext cx="0" cy="0"/>
+          <a:chOff x="0" y="0"/>
+          <a:chExt cx="0" cy="0"/>
+        </a:xfrm>
+      </p:grpSpPr>
+      <p:sp>
+        <p:nvSpPr>
+          <p:cNvPr id="51202" name="Rectangle 2"/>
+          <p:cNvSpPr>
+            <a:spLocks noGrp="1" noChangeArrowheads="1"/>
+          </p:cNvSpPr>
+          <p:nvPr>
+            <p:ph type="title"/>
+          </p:nvPr>
+        </p:nvSpPr>
+        <p:spPr/>
+        <p:txBody>
+          <a:bodyPr/>
+          <a:lstStyle/>
+          <a:p>
+            <a:pPr eaLnBrk="1" hangingPunct="1"/>
+            <a:r>
+              <a:rPr lang="fr-FR" altLang="fr-FR" smtClean="0"/>
+              <a:t>Les interfaces - Implémentation</a:t>
+            </a:r>
+          </a:p>
+        </p:txBody>
+      </p:sp>
+      <p:sp>
+        <p:nvSpPr>
+          <p:cNvPr id="3" name="Espace réservé du contenu 2"/>
+          <p:cNvSpPr txBox="1">
+            <a:spLocks/>
+          </p:cNvSpPr>
+          <p:nvPr/>
+        </p:nvSpPr>
+        <p:spPr>
+          <a:xfrm>
+            <a:off x="179512" y="1412776"/>
+            <a:ext cx="8766051" cy="5040560"/>
+          </a:xfrm>
+          <a:prstGeom prst="rect">
+            <a:avLst/>
+          </a:prstGeom>
+        </p:spPr>
+        <p:txBody>
+          <a:bodyPr/>
+          <a:lstStyle>
+            <a:lvl1pPr marL="342900" indent="-342900" algn="l" rtl="0" eaLnBrk="0" fontAlgn="base" hangingPunct="0">
+              <a:spcBef>
+                <a:spcPct val="20000"/>
+              </a:spcBef>
+              <a:spcAft>
+                <a:spcPct val="0"/>
+              </a:spcAft>
+              <a:buClr>
+                <a:schemeClr val="tx1"/>
+              </a:buClr>
+              <a:buFont typeface="Monotype Sorts" pitchFamily="2" charset="2"/>
+              <a:buChar char="o"/>
+              <a:defRPr sz="2800">
+                <a:solidFill>
+                  <a:schemeClr val="tx1"/>
+                </a:solidFill>
+                <a:latin typeface="+mn-lt"/>
+                <a:ea typeface="+mn-ea"/>
+                <a:cs typeface="+mn-cs"/>
+              </a:defRPr>
+            </a:lvl1pPr>
+            <a:lvl2pPr marL="742950" indent="-285750" algn="l" rtl="0" eaLnBrk="0" fontAlgn="base" hangingPunct="0">
+              <a:spcBef>
+                <a:spcPct val="20000"/>
+              </a:spcBef>
+              <a:spcAft>
+                <a:spcPct val="0"/>
+              </a:spcAft>
+              <a:buChar char="–"/>
+              <a:defRPr sz="2400">
+                <a:solidFill>
+                  <a:schemeClr val="tx1"/>
+                </a:solidFill>
+                <a:latin typeface="+mn-lt"/>
+              </a:defRPr>
+            </a:lvl2pPr>
+            <a:lvl3pPr marL="1143000" indent="-228600" algn="l" rtl="0" eaLnBrk="0" fontAlgn="base" hangingPunct="0">
+              <a:spcBef>
+                <a:spcPct val="20000"/>
+              </a:spcBef>
+              <a:spcAft>
+                <a:spcPct val="0"/>
+              </a:spcAft>
+              <a:buChar char="•"/>
+              <a:defRPr sz="2000">
+                <a:solidFill>
+                  <a:schemeClr val="tx1"/>
+                </a:solidFill>
+                <a:latin typeface="+mn-lt"/>
+              </a:defRPr>
+            </a:lvl3pPr>
+            <a:lvl4pPr marL="1600200" indent="-228600" algn="l" rtl="0" eaLnBrk="0" fontAlgn="base" hangingPunct="0">
+              <a:spcBef>
+                <a:spcPct val="20000"/>
+              </a:spcBef>
+              <a:spcAft>
+                <a:spcPct val="0"/>
+              </a:spcAft>
+              <a:buChar char="–"/>
+              <a:defRPr>
+                <a:solidFill>
+                  <a:schemeClr val="tx1"/>
+                </a:solidFill>
+                <a:latin typeface="+mn-lt"/>
+              </a:defRPr>
+            </a:lvl4pPr>
+            <a:lvl5pPr marL="2057400" indent="-228600" algn="l" rtl="0" eaLnBrk="0" fontAlgn="base" hangingPunct="0">
+              <a:spcBef>
+                <a:spcPct val="20000"/>
+              </a:spcBef>
+              <a:spcAft>
+                <a:spcPct val="0"/>
+              </a:spcAft>
+              <a:buChar char="»"/>
+              <a:defRPr sz="1600">
+                <a:solidFill>
+                  <a:schemeClr val="tx1"/>
+                </a:solidFill>
+                <a:latin typeface="+mn-lt"/>
+              </a:defRPr>
+            </a:lvl5pPr>
+            <a:lvl6pPr marL="2514600" indent="-228600" algn="l" rtl="0" fontAlgn="base">
+              <a:spcBef>
+                <a:spcPct val="20000"/>
+              </a:spcBef>
+              <a:spcAft>
+                <a:spcPct val="0"/>
+              </a:spcAft>
+              <a:buChar char="»"/>
+              <a:defRPr sz="1600">
+                <a:solidFill>
+                  <a:schemeClr val="tx1"/>
+                </a:solidFill>
+                <a:latin typeface="+mn-lt"/>
+              </a:defRPr>
+            </a:lvl6pPr>
+            <a:lvl7pPr marL="2971800" indent="-228600" algn="l" rtl="0" fontAlgn="base">
+              <a:spcBef>
+                <a:spcPct val="20000"/>
+              </a:spcBef>
+              <a:spcAft>
+                <a:spcPct val="0"/>
+              </a:spcAft>
+              <a:buChar char="»"/>
+              <a:defRPr sz="1600">
+                <a:solidFill>
+                  <a:schemeClr val="tx1"/>
+                </a:solidFill>
+                <a:latin typeface="+mn-lt"/>
+              </a:defRPr>
+            </a:lvl7pPr>
+            <a:lvl8pPr marL="3429000" indent="-228600" algn="l" rtl="0" fontAlgn="base">
+              <a:spcBef>
+                <a:spcPct val="20000"/>
+              </a:spcBef>
+              <a:spcAft>
+                <a:spcPct val="0"/>
+              </a:spcAft>
+              <a:buChar char="»"/>
+              <a:defRPr sz="1600">
+                <a:solidFill>
+                  <a:schemeClr val="tx1"/>
+                </a:solidFill>
+                <a:latin typeface="+mn-lt"/>
+              </a:defRPr>
+            </a:lvl8pPr>
+            <a:lvl9pPr marL="3886200" indent="-228600" algn="l" rtl="0" fontAlgn="base">
+              <a:spcBef>
+                <a:spcPct val="20000"/>
+              </a:spcBef>
+              <a:spcAft>
+                <a:spcPct val="0"/>
+              </a:spcAft>
+              <a:buChar char="»"/>
+              <a:defRPr sz="1600">
+                <a:solidFill>
+                  <a:schemeClr val="tx1"/>
+                </a:solidFill>
+                <a:latin typeface="+mn-lt"/>
+              </a:defRPr>
+            </a:lvl9pPr>
+          </a:lstStyle>
+          <a:p>
+            <a:r>
+              <a:rPr lang="fr-FR" kern="0" dirty="0" smtClean="0"/>
+              <a:t>Implémentation anonyme</a:t>
+            </a:r>
+          </a:p>
+          <a:p>
+            <a:pPr lvl="1"/>
+            <a:r>
+              <a:rPr lang="fr-FR" kern="0" dirty="0" smtClean="0"/>
+              <a:t>Sans créer de sous classe</a:t>
+            </a:r>
+          </a:p>
+          <a:p>
+            <a:pPr lvl="1"/>
+            <a:r>
+              <a:rPr lang="fr-FR" kern="0" dirty="0" smtClean="0"/>
+              <a:t>Constructeur </a:t>
+            </a:r>
+            <a:r>
+              <a:rPr lang="fr-FR" kern="0" dirty="0" smtClean="0"/>
+              <a:t>JSON</a:t>
+            </a:r>
+          </a:p>
+          <a:p>
+            <a:pPr lvl="1"/>
+            <a:endParaRPr lang="fr-FR" kern="0" dirty="0"/>
+          </a:p>
+          <a:p>
+            <a:pPr lvl="1"/>
+            <a:endParaRPr lang="fr-FR" kern="0" dirty="0" smtClean="0"/>
+          </a:p>
+          <a:p>
+            <a:pPr lvl="1"/>
+            <a:endParaRPr lang="fr-FR" kern="0" dirty="0"/>
+          </a:p>
+          <a:p>
+            <a:pPr lvl="1"/>
+            <a:endParaRPr lang="fr-FR" kern="0" dirty="0" smtClean="0"/>
+          </a:p>
+          <a:p>
+            <a:pPr lvl="1"/>
+            <a:r>
+              <a:rPr lang="fr-FR" kern="0" dirty="0" smtClean="0"/>
+              <a:t>Attributs optionnels</a:t>
+            </a:r>
+          </a:p>
+          <a:p>
+            <a:pPr lvl="1"/>
+            <a:r>
+              <a:rPr lang="fr-FR" kern="0" dirty="0" smtClean="0"/>
+              <a:t>Gestion des </a:t>
+            </a:r>
+            <a:r>
+              <a:rPr lang="fr-FR" kern="0" dirty="0" err="1" smtClean="0"/>
+              <a:t>null</a:t>
+            </a:r>
+            <a:r>
+              <a:rPr lang="fr-FR" kern="0" dirty="0" smtClean="0"/>
+              <a:t> et </a:t>
+            </a:r>
+            <a:r>
+              <a:rPr lang="fr-FR" kern="0" dirty="0" err="1" smtClean="0"/>
+              <a:t>undifined</a:t>
+            </a:r>
+            <a:endParaRPr lang="fr-FR" kern="0" dirty="0" smtClean="0"/>
+          </a:p>
+          <a:p>
+            <a:pPr lvl="1"/>
+            <a:r>
+              <a:rPr lang="fr-FR" kern="0" dirty="0"/>
+              <a:t>if (</a:t>
+            </a:r>
+            <a:r>
+              <a:rPr lang="fr-FR" kern="0" dirty="0" err="1"/>
+              <a:t>config.width</a:t>
+            </a:r>
+            <a:r>
+              <a:rPr lang="fr-FR" kern="0" smtClean="0"/>
+              <a:t>) {…}</a:t>
+            </a:r>
+            <a:endParaRPr lang="fr-FR" kern="0" dirty="0" smtClean="0"/>
+          </a:p>
+          <a:p>
+            <a:pPr lvl="1"/>
+            <a:endParaRPr lang="fr-FR" kern="0" dirty="0" smtClean="0"/>
+          </a:p>
+          <a:p>
+            <a:pPr lvl="1"/>
+            <a:endParaRPr lang="fr-FR" kern="0" dirty="0"/>
+          </a:p>
+        </p:txBody>
+      </p:sp>
+      <p:pic>
+        <p:nvPicPr>
+          <p:cNvPr id="4" name="Image 3"/>
+          <p:cNvPicPr>
+            <a:picLocks noChangeAspect="1"/>
+          </p:cNvPicPr>
+          <p:nvPr/>
+        </p:nvPicPr>
+        <p:blipFill>
+          <a:blip r:embed="rId3"/>
+          <a:stretch>
+            <a:fillRect/>
+          </a:stretch>
+        </p:blipFill>
+        <p:spPr>
+          <a:xfrm>
+            <a:off x="5064125" y="1556792"/>
             <a:ext cx="2686050" cy="990600"/>
           </a:xfrm>
           <a:prstGeom prst="rect">
@@ -37053,8 +37995,32 @@
         </p:blipFill>
         <p:spPr>
           <a:xfrm>
-            <a:off x="2181225" y="4973736"/>
+            <a:off x="4165049" y="2735825"/>
             <a:ext cx="4781550" cy="942975"/>
+          </a:xfrm>
+          <a:prstGeom prst="rect">
+            <a:avLst/>
+          </a:prstGeom>
+        </p:spPr>
+      </p:pic>
+      <p:pic>
+        <p:nvPicPr>
+          <p:cNvPr id="2" name="Image 1"/>
+          <p:cNvPicPr>
+            <a:picLocks noChangeAspect="1"/>
+          </p:cNvPicPr>
+          <p:nvPr/>
+        </p:nvPicPr>
+        <p:blipFill>
+          <a:blip r:embed="rId5"/>
+          <a:stretch>
+            <a:fillRect/>
+          </a:stretch>
+        </p:blipFill>
+        <p:spPr>
+          <a:xfrm>
+            <a:off x="5292080" y="3989303"/>
+            <a:ext cx="3372445" cy="1290539"/>
           </a:xfrm>
           <a:prstGeom prst="rect">
             <a:avLst/>
@@ -37082,7 +38048,7 @@
 </p:sld>
 </file>
 
-<file path=ppt/slides/slide44.xml><?xml version="1.0" encoding="utf-8"?>
+<file path=ppt/slides/slide45.xml><?xml version="1.0" encoding="utf-8"?>
 <p:sld xmlns:a="http://schemas.openxmlformats.org/drawingml/2006/main" xmlns:r="http://schemas.openxmlformats.org/officeDocument/2006/relationships" xmlns:p="http://schemas.openxmlformats.org/presentationml/2006/main">
   <p:cSld>
     <p:spTree>
@@ -37337,7 +38303,7 @@
 </p:sld>
 </file>
 
-<file path=ppt/slides/slide45.xml><?xml version="1.0" encoding="utf-8"?>
+<file path=ppt/slides/slide46.xml><?xml version="1.0" encoding="utf-8"?>
 <p:sld xmlns:a="http://schemas.openxmlformats.org/drawingml/2006/main" xmlns:r="http://schemas.openxmlformats.org/officeDocument/2006/relationships" xmlns:p="http://schemas.openxmlformats.org/presentationml/2006/main">
   <p:cSld>
     <p:spTree>
@@ -37495,171 +38461,6 @@
 </p:sld>
 </file>
 
-<file path=ppt/slides/slide46.xml><?xml version="1.0" encoding="utf-8"?>
-<p:sld xmlns:a="http://schemas.openxmlformats.org/drawingml/2006/main" xmlns:r="http://schemas.openxmlformats.org/officeDocument/2006/relationships" xmlns:p="http://schemas.openxmlformats.org/presentationml/2006/main">
-  <p:cSld>
-    <p:spTree>
-      <p:nvGrpSpPr>
-        <p:cNvPr id="1" name=""/>
-        <p:cNvGrpSpPr/>
-        <p:nvPr/>
-      </p:nvGrpSpPr>
-      <p:grpSpPr>
-        <a:xfrm>
-          <a:off x="0" y="0"/>
-          <a:ext cx="0" cy="0"/>
-          <a:chOff x="0" y="0"/>
-          <a:chExt cx="0" cy="0"/>
-        </a:xfrm>
-      </p:grpSpPr>
-      <p:sp>
-        <p:nvSpPr>
-          <p:cNvPr id="2" name="Titre 1"/>
-          <p:cNvSpPr>
-            <a:spLocks noGrp="1"/>
-          </p:cNvSpPr>
-          <p:nvPr>
-            <p:ph type="title"/>
-          </p:nvPr>
-        </p:nvSpPr>
-        <p:spPr/>
-        <p:txBody>
-          <a:bodyPr/>
-          <a:lstStyle/>
-          <a:p>
-            <a:r>
-              <a:rPr lang="fr-FR" dirty="0" smtClean="0"/>
-              <a:t>Import d’un fichier</a:t>
-            </a:r>
-            <a:endParaRPr lang="fr-FR" dirty="0"/>
-          </a:p>
-        </p:txBody>
-      </p:sp>
-      <p:sp>
-        <p:nvSpPr>
-          <p:cNvPr id="3" name="Espace réservé du contenu 2"/>
-          <p:cNvSpPr>
-            <a:spLocks noGrp="1"/>
-          </p:cNvSpPr>
-          <p:nvPr>
-            <p:ph idx="1"/>
-          </p:nvPr>
-        </p:nvSpPr>
-        <p:spPr/>
-        <p:txBody>
-          <a:bodyPr/>
-          <a:lstStyle/>
-          <a:p>
-            <a:r>
-              <a:rPr lang="fr-FR" dirty="0" smtClean="0"/>
-              <a:t>Import </a:t>
-            </a:r>
-            <a:r>
-              <a:rPr lang="fr-FR" dirty="0" err="1" smtClean="0"/>
-              <a:t>from</a:t>
-            </a:r>
-            <a:endParaRPr lang="fr-FR" dirty="0" smtClean="0"/>
-          </a:p>
-          <a:p>
-            <a:pPr lvl="1"/>
-            <a:r>
-              <a:rPr lang="fr-FR" dirty="0" smtClean="0"/>
-              <a:t>Permet d’importer une classe d’un fichier</a:t>
-            </a:r>
-          </a:p>
-          <a:p>
-            <a:pPr lvl="1"/>
-            <a:r>
-              <a:rPr lang="fr-FR" dirty="0" smtClean="0"/>
-              <a:t>Indépendant des </a:t>
-            </a:r>
-            <a:r>
-              <a:rPr lang="fr-FR" dirty="0" err="1" smtClean="0"/>
-              <a:t>namespaces</a:t>
-            </a:r>
-            <a:endParaRPr lang="fr-FR" dirty="0" smtClean="0"/>
-          </a:p>
-          <a:p>
-            <a:pPr lvl="1"/>
-            <a:r>
-              <a:rPr lang="fr-FR" dirty="0"/>
-              <a:t>import { </a:t>
-            </a:r>
-            <a:r>
-              <a:rPr lang="fr-FR" dirty="0" err="1"/>
-              <a:t>Hero</a:t>
-            </a:r>
-            <a:r>
-              <a:rPr lang="fr-FR" dirty="0"/>
-              <a:t> } </a:t>
-            </a:r>
-            <a:r>
-              <a:rPr lang="fr-FR" dirty="0" err="1"/>
-              <a:t>from</a:t>
-            </a:r>
-            <a:r>
-              <a:rPr lang="fr-FR" dirty="0"/>
-              <a:t> '../</a:t>
-            </a:r>
-            <a:r>
-              <a:rPr lang="fr-FR" dirty="0" err="1"/>
-              <a:t>hero</a:t>
-            </a:r>
-            <a:r>
-              <a:rPr lang="fr-FR" dirty="0" smtClean="0"/>
-              <a:t>';</a:t>
-            </a:r>
-          </a:p>
-          <a:p>
-            <a:r>
-              <a:rPr lang="fr-FR" dirty="0" smtClean="0"/>
-              <a:t>@</a:t>
-            </a:r>
-            <a:r>
-              <a:rPr lang="fr-FR" dirty="0" err="1" smtClean="0"/>
-              <a:t>angular</a:t>
-            </a:r>
-            <a:r>
-              <a:rPr lang="fr-FR" dirty="0" smtClean="0"/>
-              <a:t> spécifie le répertoire d’installation d’</a:t>
-            </a:r>
-            <a:r>
-              <a:rPr lang="fr-FR" dirty="0" err="1" smtClean="0"/>
-              <a:t>Angular</a:t>
-            </a:r>
-            <a:endParaRPr lang="fr-FR" dirty="0" smtClean="0"/>
-          </a:p>
-          <a:p>
-            <a:pPr lvl="1"/>
-            <a:r>
-              <a:rPr lang="en-US" dirty="0"/>
-              <a:t>import { Component, </a:t>
-            </a:r>
-            <a:r>
-              <a:rPr lang="en-US" dirty="0" err="1"/>
-              <a:t>OnInit</a:t>
-            </a:r>
-            <a:r>
-              <a:rPr lang="en-US" dirty="0"/>
-              <a:t> } from '@angular/core';</a:t>
-            </a:r>
-            <a:endParaRPr lang="fr-FR" dirty="0"/>
-          </a:p>
-        </p:txBody>
-      </p:sp>
-    </p:spTree>
-    <p:extLst>
-      <p:ext uri="{BB962C8B-B14F-4D97-AF65-F5344CB8AC3E}">
-        <p14:creationId xmlns:p14="http://schemas.microsoft.com/office/powerpoint/2010/main" val="1392008351"/>
-      </p:ext>
-    </p:extLst>
-  </p:cSld>
-  <p:clrMapOvr>
-    <a:masterClrMapping/>
-  </p:clrMapOvr>
-</p:sld>
-</file>
-
 <file path=ppt/slides/slide47.xml><?xml version="1.0" encoding="utf-8"?>
 <p:sld xmlns:a="http://schemas.openxmlformats.org/drawingml/2006/main" xmlns:r="http://schemas.openxmlformats.org/officeDocument/2006/relationships" xmlns:p="http://schemas.openxmlformats.org/presentationml/2006/main">
   <p:cSld>
@@ -37694,7 +38495,176 @@
           <a:p>
             <a:r>
               <a:rPr lang="fr-FR" dirty="0" smtClean="0"/>
-              <a:t>prototype</a:t>
+              <a:t>Import d’un fichier</a:t>
+            </a:r>
+            <a:endParaRPr lang="fr-FR" dirty="0"/>
+          </a:p>
+        </p:txBody>
+      </p:sp>
+      <p:sp>
+        <p:nvSpPr>
+          <p:cNvPr id="3" name="Espace réservé du contenu 2"/>
+          <p:cNvSpPr>
+            <a:spLocks noGrp="1"/>
+          </p:cNvSpPr>
+          <p:nvPr>
+            <p:ph idx="1"/>
+          </p:nvPr>
+        </p:nvSpPr>
+        <p:spPr/>
+        <p:txBody>
+          <a:bodyPr/>
+          <a:lstStyle/>
+          <a:p>
+            <a:r>
+              <a:rPr lang="fr-FR" dirty="0" smtClean="0"/>
+              <a:t>Import </a:t>
+            </a:r>
+            <a:r>
+              <a:rPr lang="fr-FR" dirty="0" err="1" smtClean="0"/>
+              <a:t>from</a:t>
+            </a:r>
+            <a:endParaRPr lang="fr-FR" dirty="0" smtClean="0"/>
+          </a:p>
+          <a:p>
+            <a:pPr lvl="1"/>
+            <a:r>
+              <a:rPr lang="fr-FR" dirty="0" smtClean="0"/>
+              <a:t>Permet d’importer une classe d’un fichier</a:t>
+            </a:r>
+          </a:p>
+          <a:p>
+            <a:pPr lvl="1"/>
+            <a:r>
+              <a:rPr lang="fr-FR" dirty="0" smtClean="0"/>
+              <a:t>Indépendant des </a:t>
+            </a:r>
+            <a:r>
+              <a:rPr lang="fr-FR" dirty="0" err="1" smtClean="0"/>
+              <a:t>namespaces</a:t>
+            </a:r>
+            <a:endParaRPr lang="fr-FR" dirty="0" smtClean="0"/>
+          </a:p>
+          <a:p>
+            <a:pPr lvl="1"/>
+            <a:r>
+              <a:rPr lang="fr-FR" dirty="0"/>
+              <a:t>import { </a:t>
+            </a:r>
+            <a:r>
+              <a:rPr lang="fr-FR" dirty="0" err="1"/>
+              <a:t>Hero</a:t>
+            </a:r>
+            <a:r>
+              <a:rPr lang="fr-FR" dirty="0"/>
+              <a:t> } </a:t>
+            </a:r>
+            <a:r>
+              <a:rPr lang="fr-FR" dirty="0" err="1"/>
+              <a:t>from</a:t>
+            </a:r>
+            <a:r>
+              <a:rPr lang="fr-FR" dirty="0"/>
+              <a:t> '../</a:t>
+            </a:r>
+            <a:r>
+              <a:rPr lang="fr-FR" dirty="0" err="1"/>
+              <a:t>hero</a:t>
+            </a:r>
+            <a:r>
+              <a:rPr lang="fr-FR" dirty="0" smtClean="0"/>
+              <a:t>';</a:t>
+            </a:r>
+          </a:p>
+          <a:p>
+            <a:r>
+              <a:rPr lang="fr-FR" dirty="0" smtClean="0"/>
+              <a:t>@</a:t>
+            </a:r>
+            <a:r>
+              <a:rPr lang="fr-FR" dirty="0" err="1" smtClean="0"/>
+              <a:t>angular</a:t>
+            </a:r>
+            <a:r>
+              <a:rPr lang="fr-FR" dirty="0" smtClean="0"/>
+              <a:t> spécifie le répertoire d’installation d’</a:t>
+            </a:r>
+            <a:r>
+              <a:rPr lang="fr-FR" dirty="0" err="1" smtClean="0"/>
+              <a:t>Angular</a:t>
+            </a:r>
+            <a:endParaRPr lang="fr-FR" dirty="0" smtClean="0"/>
+          </a:p>
+          <a:p>
+            <a:pPr lvl="1"/>
+            <a:r>
+              <a:rPr lang="en-US" dirty="0"/>
+              <a:t>import { Component, </a:t>
+            </a:r>
+            <a:r>
+              <a:rPr lang="en-US" dirty="0" err="1"/>
+              <a:t>OnInit</a:t>
+            </a:r>
+            <a:r>
+              <a:rPr lang="en-US" dirty="0"/>
+              <a:t> } from '@angular/core';</a:t>
+            </a:r>
+            <a:endParaRPr lang="fr-FR" dirty="0"/>
+          </a:p>
+        </p:txBody>
+      </p:sp>
+    </p:spTree>
+    <p:extLst>
+      <p:ext uri="{BB962C8B-B14F-4D97-AF65-F5344CB8AC3E}">
+        <p14:creationId xmlns:p14="http://schemas.microsoft.com/office/powerpoint/2010/main" val="1392008351"/>
+      </p:ext>
+    </p:extLst>
+  </p:cSld>
+  <p:clrMapOvr>
+    <a:masterClrMapping/>
+  </p:clrMapOvr>
+</p:sld>
+</file>
+
+<file path=ppt/slides/slide48.xml><?xml version="1.0" encoding="utf-8"?>
+<p:sld xmlns:a="http://schemas.openxmlformats.org/drawingml/2006/main" xmlns:r="http://schemas.openxmlformats.org/officeDocument/2006/relationships" xmlns:p="http://schemas.openxmlformats.org/presentationml/2006/main">
+  <p:cSld>
+    <p:spTree>
+      <p:nvGrpSpPr>
+        <p:cNvPr id="1" name=""/>
+        <p:cNvGrpSpPr/>
+        <p:nvPr/>
+      </p:nvGrpSpPr>
+      <p:grpSpPr>
+        <a:xfrm>
+          <a:off x="0" y="0"/>
+          <a:ext cx="0" cy="0"/>
+          <a:chOff x="0" y="0"/>
+          <a:chExt cx="0" cy="0"/>
+        </a:xfrm>
+      </p:grpSpPr>
+      <p:sp>
+        <p:nvSpPr>
+          <p:cNvPr id="2" name="Titre 1"/>
+          <p:cNvSpPr>
+            <a:spLocks noGrp="1"/>
+          </p:cNvSpPr>
+          <p:nvPr>
+            <p:ph type="title"/>
+          </p:nvPr>
+        </p:nvSpPr>
+        <p:spPr/>
+        <p:txBody>
+          <a:bodyPr/>
+          <a:lstStyle/>
+          <a:p>
+            <a:r>
+              <a:rPr lang="fr-FR" dirty="0"/>
+              <a:t>P</a:t>
+            </a:r>
+            <a:r>
+              <a:rPr lang="fr-FR" dirty="0" smtClean="0"/>
+              <a:t>rototype</a:t>
             </a:r>
             <a:endParaRPr lang="fr-FR" dirty="0"/>
           </a:p>

--- a/PPT/Angular10-TSOO.pptx
+++ b/PPT/Angular10-TSOO.pptx
@@ -19374,6 +19374,13 @@
   <p:clrMapOvr>
     <a:masterClrMapping/>
   </p:clrMapOvr>
+  <p:timing>
+    <p:tnLst>
+      <p:par>
+        <p:cTn id="1" dur="indefinite" restart="never" nodeType="tmRoot"/>
+      </p:par>
+    </p:tnLst>
+  </p:timing>
 </p:sld>
 </file>
 
@@ -33568,8 +33575,8 @@
         </p:blipFill>
         <p:spPr>
           <a:xfrm>
-            <a:off x="2386012" y="2828925"/>
-            <a:ext cx="4371975" cy="1200150"/>
+            <a:off x="758971" y="1988840"/>
+            <a:ext cx="7607131" cy="2088232"/>
           </a:xfrm>
           <a:prstGeom prst="rect">
             <a:avLst/>
@@ -37208,11 +37215,7 @@
           <a:p>
             <a:r>
               <a:rPr lang="fr-FR" kern="0" dirty="0" smtClean="0"/>
-              <a:t>Interface comme en </a:t>
-            </a:r>
-            <a:r>
-              <a:rPr lang="fr-FR" kern="0" dirty="0" smtClean="0"/>
-              <a:t>Java</a:t>
+              <a:t>Interface comme en Java</a:t>
             </a:r>
           </a:p>
           <a:p>
@@ -37434,13 +37437,8 @@
             <a:pPr eaLnBrk="1" hangingPunct="1"/>
             <a:r>
               <a:rPr lang="fr-FR" altLang="fr-FR" dirty="0" smtClean="0"/>
-              <a:t>Les interfaces </a:t>
-            </a:r>
-            <a:r>
-              <a:rPr lang="fr-FR" altLang="fr-FR" dirty="0" smtClean="0"/>
-              <a:t>d'attributs</a:t>
-            </a:r>
-            <a:endParaRPr lang="fr-FR" altLang="fr-FR" dirty="0" smtClean="0"/>
+              <a:t>Les interfaces d'attributs</a:t>
+            </a:r>
           </a:p>
         </p:txBody>
       </p:sp>
@@ -37879,11 +37877,7 @@
             <a:pPr lvl="1"/>
             <a:r>
               <a:rPr lang="fr-FR" kern="0" dirty="0" smtClean="0"/>
-              <a:t>Constructeur </a:t>
-            </a:r>
-            <a:r>
-              <a:rPr lang="fr-FR" kern="0" dirty="0" smtClean="0"/>
-              <a:t>JSON</a:t>
+              <a:t>Constructeur JSON</a:t>
             </a:r>
           </a:p>
           <a:p>
@@ -37925,7 +37919,7 @@
             </a:r>
             <a:r>
               <a:rPr lang="fr-FR" kern="0" dirty="0" err="1" smtClean="0"/>
-              <a:t>undifined</a:t>
+              <a:t>undefined</a:t>
             </a:r>
             <a:endParaRPr lang="fr-FR" kern="0" dirty="0" smtClean="0"/>
           </a:p>
@@ -37940,10 +37934,9 @@
               <a:t>config.width</a:t>
             </a:r>
             <a:r>
-              <a:rPr lang="fr-FR" kern="0" smtClean="0"/>
+              <a:rPr lang="fr-FR" kern="0" dirty="0" smtClean="0"/>
               <a:t>) {…}</a:t>
             </a:r>
-            <a:endParaRPr lang="fr-FR" kern="0" dirty="0" smtClean="0"/>
           </a:p>
           <a:p>
             <a:pPr lvl="1"/>
@@ -38623,6 +38616,13 @@
   <p:clrMapOvr>
     <a:masterClrMapping/>
   </p:clrMapOvr>
+  <p:timing>
+    <p:tnLst>
+      <p:par>
+        <p:cTn id="1" dur="indefinite" restart="never" nodeType="tmRoot"/>
+      </p:par>
+    </p:tnLst>
+  </p:timing>
 </p:sld>
 </file>
 

--- a/PPT/Angular10-TSOO.pptx
+++ b/PPT/Angular10-TSOO.pptx
@@ -5,10 +5,10 @@
     <p:sldMasterId id="2147483653" r:id="rId1"/>
   </p:sldMasterIdLst>
   <p:notesMasterIdLst>
-    <p:notesMasterId r:id="rId50"/>
+    <p:notesMasterId r:id="rId51"/>
   </p:notesMasterIdLst>
   <p:handoutMasterIdLst>
-    <p:handoutMasterId r:id="rId51"/>
+    <p:handoutMasterId r:id="rId52"/>
   </p:handoutMasterIdLst>
   <p:sldIdLst>
     <p:sldId id="264" r:id="rId2"/>
@@ -24,16 +24,16 @@
     <p:sldId id="339" r:id="rId12"/>
     <p:sldId id="340" r:id="rId13"/>
     <p:sldId id="341" r:id="rId14"/>
-    <p:sldId id="348" r:id="rId15"/>
-    <p:sldId id="343" r:id="rId16"/>
-    <p:sldId id="295" r:id="rId17"/>
-    <p:sldId id="296" r:id="rId18"/>
-    <p:sldId id="297" r:id="rId19"/>
-    <p:sldId id="345" r:id="rId20"/>
-    <p:sldId id="298" r:id="rId21"/>
-    <p:sldId id="299" r:id="rId22"/>
-    <p:sldId id="301" r:id="rId23"/>
-    <p:sldId id="335" r:id="rId24"/>
+    <p:sldId id="351" r:id="rId15"/>
+    <p:sldId id="348" r:id="rId16"/>
+    <p:sldId id="343" r:id="rId17"/>
+    <p:sldId id="295" r:id="rId18"/>
+    <p:sldId id="296" r:id="rId19"/>
+    <p:sldId id="297" r:id="rId20"/>
+    <p:sldId id="345" r:id="rId21"/>
+    <p:sldId id="298" r:id="rId22"/>
+    <p:sldId id="299" r:id="rId23"/>
+    <p:sldId id="301" r:id="rId24"/>
     <p:sldId id="336" r:id="rId25"/>
     <p:sldId id="337" r:id="rId26"/>
     <p:sldId id="342" r:id="rId27"/>
@@ -58,7 +58,8 @@
     <p:sldId id="346" r:id="rId46"/>
     <p:sldId id="334" r:id="rId47"/>
     <p:sldId id="347" r:id="rId48"/>
-    <p:sldId id="284" r:id="rId49"/>
+    <p:sldId id="350" r:id="rId49"/>
+    <p:sldId id="284" r:id="rId50"/>
   </p:sldIdLst>
   <p:sldSz cx="9144000" cy="6858000" type="screen4x3"/>
   <p:notesSz cx="6648450" cy="9782175"/>
@@ -1753,7 +1754,7 @@
                   <a:spcPct val="0"/>
                 </a:spcBef>
               </a:pPr>
-              <a:t>17</a:t>
+              <a:t>18</a:t>
             </a:fld>
             <a:endParaRPr lang="fr-FR" altLang="fr-FR" sz="800"/>
           </a:p>
@@ -2258,7 +2259,7 @@
                   <a:spcPct val="0"/>
                 </a:spcBef>
               </a:pPr>
-              <a:t>18</a:t>
+              <a:t>19</a:t>
             </a:fld>
             <a:endParaRPr lang="fr-FR" altLang="fr-FR" sz="800"/>
           </a:p>
@@ -2718,7 +2719,7 @@
                   <a:spcPct val="0"/>
                 </a:spcBef>
               </a:pPr>
-              <a:t>20</a:t>
+              <a:t>21</a:t>
             </a:fld>
             <a:endParaRPr lang="fr-FR" altLang="fr-FR" sz="800"/>
           </a:p>
@@ -3219,7 +3220,7 @@
                   <a:spcPct val="0"/>
                 </a:spcBef>
               </a:pPr>
-              <a:t>21</a:t>
+              <a:t>22</a:t>
             </a:fld>
             <a:endParaRPr lang="fr-FR" altLang="fr-FR" sz="800"/>
           </a:p>
@@ -3682,7 +3683,7 @@
                   <a:spcPct val="0"/>
                 </a:spcBef>
               </a:pPr>
-              <a:t>22</a:t>
+              <a:t>23</a:t>
             </a:fld>
             <a:endParaRPr lang="fr-FR" altLang="fr-FR" sz="800"/>
           </a:p>
@@ -15675,7 +15676,7 @@
                   <a:spcPct val="0"/>
                 </a:spcBef>
               </a:pPr>
-              <a:t>16</a:t>
+              <a:t>17</a:t>
             </a:fld>
             <a:endParaRPr lang="fr-FR" altLang="fr-FR" sz="800"/>
           </a:p>
@@ -19256,6 +19257,149 @@
           <a:p>
             <a:r>
               <a:rPr lang="fr-FR" dirty="0" smtClean="0"/>
+              <a:t>Valeurs par défauts</a:t>
+            </a:r>
+            <a:endParaRPr lang="fr-FR" dirty="0"/>
+          </a:p>
+        </p:txBody>
+      </p:sp>
+      <p:sp>
+        <p:nvSpPr>
+          <p:cNvPr id="3" name="Espace réservé du contenu 2"/>
+          <p:cNvSpPr>
+            <a:spLocks noGrp="1"/>
+          </p:cNvSpPr>
+          <p:nvPr>
+            <p:ph idx="1"/>
+          </p:nvPr>
+        </p:nvSpPr>
+        <p:spPr/>
+        <p:txBody>
+          <a:bodyPr/>
+          <a:lstStyle/>
+          <a:p>
+            <a:r>
+              <a:rPr lang="fr-FR" dirty="0" smtClean="0"/>
+              <a:t>Les méthodes et paramètres peuvent avoir des valeurs par défaut</a:t>
+            </a:r>
+          </a:p>
+          <a:p>
+            <a:pPr lvl="1"/>
+            <a:r>
+              <a:rPr lang="fr-FR" dirty="0" smtClean="0"/>
+              <a:t>Evite les surcharges</a:t>
+            </a:r>
+          </a:p>
+          <a:p>
+            <a:r>
+              <a:rPr lang="en-US" dirty="0"/>
+              <a:t>constructor(id: </a:t>
+            </a:r>
+            <a:r>
+              <a:rPr lang="en-US" dirty="0" smtClean="0"/>
+              <a:t>number = 0, </a:t>
+            </a:r>
+            <a:r>
+              <a:rPr lang="en-US" dirty="0"/>
+              <a:t>owner: </a:t>
+            </a:r>
+            <a:r>
+              <a:rPr lang="en-US" dirty="0" smtClean="0"/>
+              <a:t>Customer = null)</a:t>
+            </a:r>
+          </a:p>
+          <a:p>
+            <a:r>
+              <a:rPr lang="en-US" dirty="0" smtClean="0"/>
+              <a:t>Les </a:t>
+            </a:r>
+            <a:r>
+              <a:rPr lang="en-US" dirty="0" err="1" smtClean="0"/>
+              <a:t>valeurs</a:t>
+            </a:r>
+            <a:r>
+              <a:rPr lang="en-US" dirty="0" smtClean="0"/>
+              <a:t> par </a:t>
+            </a:r>
+            <a:r>
+              <a:rPr lang="en-US" smtClean="0"/>
+              <a:t>défauts </a:t>
+            </a:r>
+            <a:r>
+              <a:rPr lang="en-US" dirty="0" err="1" smtClean="0"/>
+              <a:t>sont</a:t>
+            </a:r>
+            <a:r>
+              <a:rPr lang="en-US" dirty="0" smtClean="0"/>
+              <a:t> </a:t>
+            </a:r>
+            <a:r>
+              <a:rPr lang="en-US" dirty="0" err="1" smtClean="0"/>
+              <a:t>toujours</a:t>
+            </a:r>
+            <a:r>
+              <a:rPr lang="en-US" dirty="0" smtClean="0"/>
+              <a:t> à </a:t>
+            </a:r>
+            <a:r>
+              <a:rPr lang="en-US" dirty="0" err="1" smtClean="0"/>
+              <a:t>droite</a:t>
+            </a:r>
+            <a:r>
+              <a:rPr lang="en-US" dirty="0" smtClean="0"/>
+              <a:t> de la signature</a:t>
+            </a:r>
+            <a:endParaRPr lang="fr-FR" dirty="0"/>
+          </a:p>
+        </p:txBody>
+      </p:sp>
+    </p:spTree>
+    <p:extLst>
+      <p:ext uri="{BB962C8B-B14F-4D97-AF65-F5344CB8AC3E}">
+        <p14:creationId xmlns:p14="http://schemas.microsoft.com/office/powerpoint/2010/main" val="3792444754"/>
+      </p:ext>
+    </p:extLst>
+  </p:cSld>
+  <p:clrMapOvr>
+    <a:masterClrMapping/>
+  </p:clrMapOvr>
+</p:sld>
+</file>
+
+<file path=ppt/slides/slide15.xml><?xml version="1.0" encoding="utf-8"?>
+<p:sld xmlns:a="http://schemas.openxmlformats.org/drawingml/2006/main" xmlns:r="http://schemas.openxmlformats.org/officeDocument/2006/relationships" xmlns:p="http://schemas.openxmlformats.org/presentationml/2006/main">
+  <p:cSld>
+    <p:spTree>
+      <p:nvGrpSpPr>
+        <p:cNvPr id="1" name=""/>
+        <p:cNvGrpSpPr/>
+        <p:nvPr/>
+      </p:nvGrpSpPr>
+      <p:grpSpPr>
+        <a:xfrm>
+          <a:off x="0" y="0"/>
+          <a:ext cx="0" cy="0"/>
+          <a:chOff x="0" y="0"/>
+          <a:chExt cx="0" cy="0"/>
+        </a:xfrm>
+      </p:grpSpPr>
+      <p:sp>
+        <p:nvSpPr>
+          <p:cNvPr id="2" name="Titre 1"/>
+          <p:cNvSpPr>
+            <a:spLocks noGrp="1"/>
+          </p:cNvSpPr>
+          <p:nvPr>
+            <p:ph type="title"/>
+          </p:nvPr>
+        </p:nvSpPr>
+        <p:spPr/>
+        <p:txBody>
+          <a:bodyPr/>
+          <a:lstStyle/>
+          <a:p>
+            <a:r>
+              <a:rPr lang="fr-FR" dirty="0" smtClean="0"/>
               <a:t>Constructeur prototypé</a:t>
             </a:r>
             <a:endParaRPr lang="fr-FR" dirty="0"/>
@@ -19384,7 +19528,7 @@
 </p:sld>
 </file>
 
-<file path=ppt/slides/slide15.xml><?xml version="1.0" encoding="utf-8"?>
+<file path=ppt/slides/slide16.xml><?xml version="1.0" encoding="utf-8"?>
 <p:sld xmlns:a="http://schemas.openxmlformats.org/drawingml/2006/main" xmlns:r="http://schemas.openxmlformats.org/officeDocument/2006/relationships" xmlns:p="http://schemas.openxmlformats.org/presentationml/2006/main">
   <p:cSld>
     <p:spTree>
@@ -19508,7 +19652,7 @@
 </p:sld>
 </file>
 
-<file path=ppt/slides/slide16.xml><?xml version="1.0" encoding="utf-8"?>
+<file path=ppt/slides/slide17.xml><?xml version="1.0" encoding="utf-8"?>
 <p:sld xmlns:a="http://schemas.openxmlformats.org/drawingml/2006/main" xmlns:r="http://schemas.openxmlformats.org/officeDocument/2006/relationships" xmlns:p="http://schemas.openxmlformats.org/presentationml/2006/main">
   <p:cSld>
     <p:spTree>
@@ -20526,7 +20670,7 @@
 </p:sld>
 </file>
 
-<file path=ppt/slides/slide17.xml><?xml version="1.0" encoding="utf-8"?>
+<file path=ppt/slides/slide18.xml><?xml version="1.0" encoding="utf-8"?>
 <p:sld xmlns:a="http://schemas.openxmlformats.org/drawingml/2006/main" xmlns:r="http://schemas.openxmlformats.org/officeDocument/2006/relationships" xmlns:p="http://schemas.openxmlformats.org/presentationml/2006/main">
   <p:cSld>
     <p:spTree>
@@ -22217,7 +22361,7 @@
 </p:sld>
 </file>
 
-<file path=ppt/slides/slide18.xml><?xml version="1.0" encoding="utf-8"?>
+<file path=ppt/slides/slide19.xml><?xml version="1.0" encoding="utf-8"?>
 <p:sld xmlns:a="http://schemas.openxmlformats.org/drawingml/2006/main" xmlns:r="http://schemas.openxmlformats.org/officeDocument/2006/relationships" xmlns:p="http://schemas.openxmlformats.org/presentationml/2006/main">
   <p:cSld>
     <p:spTree>
@@ -22496,119 +22640,6 @@
     <a:masterClrMapping/>
   </p:clrMapOvr>
   <p:transition/>
-  <p:timing>
-    <p:tnLst>
-      <p:par>
-        <p:cTn id="1" dur="indefinite" restart="never" nodeType="tmRoot"/>
-      </p:par>
-    </p:tnLst>
-  </p:timing>
-</p:sld>
-</file>
-
-<file path=ppt/slides/slide19.xml><?xml version="1.0" encoding="utf-8"?>
-<p:sld xmlns:a="http://schemas.openxmlformats.org/drawingml/2006/main" xmlns:r="http://schemas.openxmlformats.org/officeDocument/2006/relationships" xmlns:p="http://schemas.openxmlformats.org/presentationml/2006/main">
-  <p:cSld>
-    <p:spTree>
-      <p:nvGrpSpPr>
-        <p:cNvPr id="1" name=""/>
-        <p:cNvGrpSpPr/>
-        <p:nvPr/>
-      </p:nvGrpSpPr>
-      <p:grpSpPr>
-        <a:xfrm>
-          <a:off x="0" y="0"/>
-          <a:ext cx="0" cy="0"/>
-          <a:chOff x="0" y="0"/>
-          <a:chExt cx="0" cy="0"/>
-        </a:xfrm>
-      </p:grpSpPr>
-      <p:sp>
-        <p:nvSpPr>
-          <p:cNvPr id="2" name="Titre 1"/>
-          <p:cNvSpPr>
-            <a:spLocks noGrp="1"/>
-          </p:cNvSpPr>
-          <p:nvPr>
-            <p:ph type="title"/>
-          </p:nvPr>
-        </p:nvSpPr>
-        <p:spPr/>
-        <p:txBody>
-          <a:bodyPr/>
-          <a:lstStyle/>
-          <a:p>
-            <a:r>
-              <a:rPr lang="fr-FR" dirty="0" smtClean="0"/>
-              <a:t>Utilisation de propriétés</a:t>
-            </a:r>
-            <a:endParaRPr lang="fr-FR" dirty="0"/>
-          </a:p>
-        </p:txBody>
-      </p:sp>
-      <p:sp>
-        <p:nvSpPr>
-          <p:cNvPr id="3" name="Espace réservé du contenu 2"/>
-          <p:cNvSpPr>
-            <a:spLocks noGrp="1"/>
-          </p:cNvSpPr>
-          <p:nvPr>
-            <p:ph idx="1"/>
-          </p:nvPr>
-        </p:nvSpPr>
-        <p:spPr/>
-        <p:txBody>
-          <a:bodyPr/>
-          <a:lstStyle/>
-          <a:p>
-            <a:r>
-              <a:rPr lang="fr-FR" dirty="0" smtClean="0"/>
-              <a:t>Getter et Setter simplifiés par rapport à Java</a:t>
-            </a:r>
-          </a:p>
-          <a:p>
-            <a:r>
-              <a:rPr lang="fr-FR" dirty="0" smtClean="0"/>
-              <a:t>Cela devient une propriété</a:t>
-            </a:r>
-            <a:endParaRPr lang="fr-FR" dirty="0"/>
-          </a:p>
-        </p:txBody>
-      </p:sp>
-      <p:pic>
-        <p:nvPicPr>
-          <p:cNvPr id="4" name="Image 3"/>
-          <p:cNvPicPr>
-            <a:picLocks noChangeAspect="1"/>
-          </p:cNvPicPr>
-          <p:nvPr/>
-        </p:nvPicPr>
-        <p:blipFill>
-          <a:blip r:embed="rId2"/>
-          <a:stretch>
-            <a:fillRect/>
-          </a:stretch>
-        </p:blipFill>
-        <p:spPr>
-          <a:xfrm>
-            <a:off x="1619672" y="2996952"/>
-            <a:ext cx="5950231" cy="1152128"/>
-          </a:xfrm>
-          <a:prstGeom prst="rect">
-            <a:avLst/>
-          </a:prstGeom>
-        </p:spPr>
-      </p:pic>
-    </p:spTree>
-    <p:extLst>
-      <p:ext uri="{BB962C8B-B14F-4D97-AF65-F5344CB8AC3E}">
-        <p14:creationId xmlns:p14="http://schemas.microsoft.com/office/powerpoint/2010/main" val="2740923626"/>
-      </p:ext>
-    </p:extLst>
-  </p:cSld>
-  <p:clrMapOvr>
-    <a:masterClrMapping/>
-  </p:clrMapOvr>
   <p:timing>
     <p:tnLst>
       <p:par>
@@ -23400,6 +23431,119 @@
       </p:grpSpPr>
       <p:sp>
         <p:nvSpPr>
+          <p:cNvPr id="2" name="Titre 1"/>
+          <p:cNvSpPr>
+            <a:spLocks noGrp="1"/>
+          </p:cNvSpPr>
+          <p:nvPr>
+            <p:ph type="title"/>
+          </p:nvPr>
+        </p:nvSpPr>
+        <p:spPr/>
+        <p:txBody>
+          <a:bodyPr/>
+          <a:lstStyle/>
+          <a:p>
+            <a:r>
+              <a:rPr lang="fr-FR" dirty="0" smtClean="0"/>
+              <a:t>Utilisation de propriétés</a:t>
+            </a:r>
+            <a:endParaRPr lang="fr-FR" dirty="0"/>
+          </a:p>
+        </p:txBody>
+      </p:sp>
+      <p:sp>
+        <p:nvSpPr>
+          <p:cNvPr id="3" name="Espace réservé du contenu 2"/>
+          <p:cNvSpPr>
+            <a:spLocks noGrp="1"/>
+          </p:cNvSpPr>
+          <p:nvPr>
+            <p:ph idx="1"/>
+          </p:nvPr>
+        </p:nvSpPr>
+        <p:spPr/>
+        <p:txBody>
+          <a:bodyPr/>
+          <a:lstStyle/>
+          <a:p>
+            <a:r>
+              <a:rPr lang="fr-FR" dirty="0" smtClean="0"/>
+              <a:t>Getter et Setter simplifiés par rapport à Java</a:t>
+            </a:r>
+          </a:p>
+          <a:p>
+            <a:r>
+              <a:rPr lang="fr-FR" dirty="0" smtClean="0"/>
+              <a:t>Cela devient une propriété</a:t>
+            </a:r>
+            <a:endParaRPr lang="fr-FR" dirty="0"/>
+          </a:p>
+        </p:txBody>
+      </p:sp>
+      <p:pic>
+        <p:nvPicPr>
+          <p:cNvPr id="4" name="Image 3"/>
+          <p:cNvPicPr>
+            <a:picLocks noChangeAspect="1"/>
+          </p:cNvPicPr>
+          <p:nvPr/>
+        </p:nvPicPr>
+        <p:blipFill>
+          <a:blip r:embed="rId2"/>
+          <a:stretch>
+            <a:fillRect/>
+          </a:stretch>
+        </p:blipFill>
+        <p:spPr>
+          <a:xfrm>
+            <a:off x="1619672" y="2996952"/>
+            <a:ext cx="5950231" cy="1152128"/>
+          </a:xfrm>
+          <a:prstGeom prst="rect">
+            <a:avLst/>
+          </a:prstGeom>
+        </p:spPr>
+      </p:pic>
+    </p:spTree>
+    <p:extLst>
+      <p:ext uri="{BB962C8B-B14F-4D97-AF65-F5344CB8AC3E}">
+        <p14:creationId xmlns:p14="http://schemas.microsoft.com/office/powerpoint/2010/main" val="2740923626"/>
+      </p:ext>
+    </p:extLst>
+  </p:cSld>
+  <p:clrMapOvr>
+    <a:masterClrMapping/>
+  </p:clrMapOvr>
+  <p:timing>
+    <p:tnLst>
+      <p:par>
+        <p:cTn id="1" dur="indefinite" restart="never" nodeType="tmRoot"/>
+      </p:par>
+    </p:tnLst>
+  </p:timing>
+</p:sld>
+</file>
+
+<file path=ppt/slides/slide21.xml><?xml version="1.0" encoding="utf-8"?>
+<p:sld xmlns:a="http://schemas.openxmlformats.org/drawingml/2006/main" xmlns:r="http://schemas.openxmlformats.org/officeDocument/2006/relationships" xmlns:p="http://schemas.openxmlformats.org/presentationml/2006/main">
+  <p:cSld>
+    <p:spTree>
+      <p:nvGrpSpPr>
+        <p:cNvPr id="1" name=""/>
+        <p:cNvGrpSpPr/>
+        <p:nvPr/>
+      </p:nvGrpSpPr>
+      <p:grpSpPr>
+        <a:xfrm>
+          <a:off x="0" y="0"/>
+          <a:ext cx="0" cy="0"/>
+          <a:chOff x="0" y="0"/>
+          <a:chExt cx="0" cy="0"/>
+        </a:xfrm>
+      </p:grpSpPr>
+      <p:sp>
+        <p:nvSpPr>
           <p:cNvPr id="15363" name="Rectangle 3"/>
           <p:cNvSpPr>
             <a:spLocks noGrp="1" noChangeArrowheads="1"/>
@@ -23665,7 +23809,7 @@
 </p:sld>
 </file>
 
-<file path=ppt/slides/slide21.xml><?xml version="1.0" encoding="utf-8"?>
+<file path=ppt/slides/slide22.xml><?xml version="1.0" encoding="utf-8"?>
 <p:sld xmlns:a="http://schemas.openxmlformats.org/drawingml/2006/main" xmlns:r="http://schemas.openxmlformats.org/officeDocument/2006/relationships" xmlns:p="http://schemas.openxmlformats.org/presentationml/2006/main">
   <p:cSld>
     <p:spTree>
@@ -23973,7 +24117,7 @@
 </p:sld>
 </file>
 
-<file path=ppt/slides/slide22.xml><?xml version="1.0" encoding="utf-8"?>
+<file path=ppt/slides/slide23.xml><?xml version="1.0" encoding="utf-8"?>
 <p:sld xmlns:a="http://schemas.openxmlformats.org/drawingml/2006/main" xmlns:r="http://schemas.openxmlformats.org/officeDocument/2006/relationships" xmlns:p="http://schemas.openxmlformats.org/presentationml/2006/main">
   <p:cSld>
     <p:spTree>
@@ -24254,303 +24398,6 @@
     <a:masterClrMapping/>
   </p:clrMapOvr>
   <p:transition/>
-  <p:timing>
-    <p:tnLst>
-      <p:par>
-        <p:cTn id="1" dur="indefinite" restart="never" nodeType="tmRoot"/>
-      </p:par>
-    </p:tnLst>
-  </p:timing>
-</p:sld>
-</file>
-
-<file path=ppt/slides/slide23.xml><?xml version="1.0" encoding="utf-8"?>
-<p:sld xmlns:a="http://schemas.openxmlformats.org/drawingml/2006/main" xmlns:r="http://schemas.openxmlformats.org/officeDocument/2006/relationships" xmlns:p="http://schemas.openxmlformats.org/presentationml/2006/main">
-  <p:cSld>
-    <p:spTree>
-      <p:nvGrpSpPr>
-        <p:cNvPr id="1" name=""/>
-        <p:cNvGrpSpPr/>
-        <p:nvPr/>
-      </p:nvGrpSpPr>
-      <p:grpSpPr>
-        <a:xfrm>
-          <a:off x="0" y="0"/>
-          <a:ext cx="0" cy="0"/>
-          <a:chOff x="0" y="0"/>
-          <a:chExt cx="0" cy="0"/>
-        </a:xfrm>
-      </p:grpSpPr>
-      <p:sp>
-        <p:nvSpPr>
-          <p:cNvPr id="2" name="Titre 1"/>
-          <p:cNvSpPr>
-            <a:spLocks noGrp="1"/>
-          </p:cNvSpPr>
-          <p:nvPr>
-            <p:ph type="title"/>
-          </p:nvPr>
-        </p:nvSpPr>
-        <p:spPr/>
-        <p:txBody>
-          <a:bodyPr/>
-          <a:lstStyle/>
-          <a:p>
-            <a:r>
-              <a:rPr lang="fr-FR" dirty="0" smtClean="0"/>
-              <a:t>Méthodes métiers</a:t>
-            </a:r>
-            <a:endParaRPr lang="fr-FR" dirty="0"/>
-          </a:p>
-        </p:txBody>
-      </p:sp>
-      <p:sp>
-        <p:nvSpPr>
-          <p:cNvPr id="6" name="Espace réservé du contenu 2"/>
-          <p:cNvSpPr txBox="1">
-            <a:spLocks/>
-          </p:cNvSpPr>
-          <p:nvPr/>
-        </p:nvSpPr>
-        <p:spPr bwMode="auto">
-          <a:xfrm>
-            <a:off x="179513" y="1412776"/>
-            <a:ext cx="5706956" cy="5040560"/>
-          </a:xfrm>
-          <a:prstGeom prst="rect">
-            <a:avLst/>
-          </a:prstGeom>
-          <a:noFill/>
-          <a:ln>
-            <a:noFill/>
-          </a:ln>
-          <a:extLst>
-            <a:ext uri="{909E8E84-426E-40DD-AFC4-6F175D3DCCD1}">
-              <a14:hiddenFill xmlns:a14="http://schemas.microsoft.com/office/drawing/2010/main">
-                <a:solidFill>
-                  <a:srgbClr val="FFFFFF"/>
-                </a:solidFill>
-              </a14:hiddenFill>
-            </a:ext>
-            <a:ext uri="{91240B29-F687-4F45-9708-019B960494DF}">
-              <a14:hiddenLine xmlns:a14="http://schemas.microsoft.com/office/drawing/2010/main" w="9525">
-                <a:solidFill>
-                  <a:srgbClr val="000000"/>
-                </a:solidFill>
-                <a:miter lim="800000"/>
-                <a:headEnd/>
-                <a:tailEnd/>
-              </a14:hiddenLine>
-            </a:ext>
-          </a:extLst>
-        </p:spPr>
-        <p:txBody>
-          <a:bodyPr vert="horz" wrap="square" lIns="91440" tIns="45720" rIns="91440" bIns="45720" numCol="1" anchor="t" anchorCtr="0" compatLnSpc="1">
-            <a:prstTxWarp prst="textNoShape">
-              <a:avLst/>
-            </a:prstTxWarp>
-          </a:bodyPr>
-          <a:lstStyle>
-            <a:lvl1pPr marL="342900" indent="-342900" algn="l" rtl="0" eaLnBrk="0" fontAlgn="base" hangingPunct="0">
-              <a:spcBef>
-                <a:spcPct val="20000"/>
-              </a:spcBef>
-              <a:spcAft>
-                <a:spcPct val="0"/>
-              </a:spcAft>
-              <a:buClr>
-                <a:schemeClr val="tx1"/>
-              </a:buClr>
-              <a:buFont typeface="Monotype Sorts" pitchFamily="2" charset="2"/>
-              <a:buChar char="o"/>
-              <a:defRPr sz="2800">
-                <a:solidFill>
-                  <a:schemeClr val="tx1"/>
-                </a:solidFill>
-                <a:latin typeface="+mn-lt"/>
-                <a:ea typeface="+mn-ea"/>
-                <a:cs typeface="+mn-cs"/>
-              </a:defRPr>
-            </a:lvl1pPr>
-            <a:lvl2pPr marL="742950" indent="-285750" algn="l" rtl="0" eaLnBrk="0" fontAlgn="base" hangingPunct="0">
-              <a:spcBef>
-                <a:spcPct val="20000"/>
-              </a:spcBef>
-              <a:spcAft>
-                <a:spcPct val="0"/>
-              </a:spcAft>
-              <a:buChar char="–"/>
-              <a:defRPr sz="2400">
-                <a:solidFill>
-                  <a:schemeClr val="tx1"/>
-                </a:solidFill>
-                <a:latin typeface="+mn-lt"/>
-              </a:defRPr>
-            </a:lvl2pPr>
-            <a:lvl3pPr marL="1143000" indent="-228600" algn="l" rtl="0" eaLnBrk="0" fontAlgn="base" hangingPunct="0">
-              <a:spcBef>
-                <a:spcPct val="20000"/>
-              </a:spcBef>
-              <a:spcAft>
-                <a:spcPct val="0"/>
-              </a:spcAft>
-              <a:buChar char="•"/>
-              <a:defRPr sz="2000">
-                <a:solidFill>
-                  <a:schemeClr val="tx1"/>
-                </a:solidFill>
-                <a:latin typeface="+mn-lt"/>
-              </a:defRPr>
-            </a:lvl3pPr>
-            <a:lvl4pPr marL="1600200" indent="-228600" algn="l" rtl="0" eaLnBrk="0" fontAlgn="base" hangingPunct="0">
-              <a:spcBef>
-                <a:spcPct val="20000"/>
-              </a:spcBef>
-              <a:spcAft>
-                <a:spcPct val="0"/>
-              </a:spcAft>
-              <a:buChar char="–"/>
-              <a:defRPr>
-                <a:solidFill>
-                  <a:schemeClr val="tx1"/>
-                </a:solidFill>
-                <a:latin typeface="+mn-lt"/>
-              </a:defRPr>
-            </a:lvl4pPr>
-            <a:lvl5pPr marL="2057400" indent="-228600" algn="l" rtl="0" eaLnBrk="0" fontAlgn="base" hangingPunct="0">
-              <a:spcBef>
-                <a:spcPct val="20000"/>
-              </a:spcBef>
-              <a:spcAft>
-                <a:spcPct val="0"/>
-              </a:spcAft>
-              <a:buChar char="»"/>
-              <a:defRPr sz="1600">
-                <a:solidFill>
-                  <a:schemeClr val="tx1"/>
-                </a:solidFill>
-                <a:latin typeface="+mn-lt"/>
-              </a:defRPr>
-            </a:lvl5pPr>
-            <a:lvl6pPr marL="2514600" indent="-228600" algn="l" rtl="0" fontAlgn="base">
-              <a:spcBef>
-                <a:spcPct val="20000"/>
-              </a:spcBef>
-              <a:spcAft>
-                <a:spcPct val="0"/>
-              </a:spcAft>
-              <a:buChar char="»"/>
-              <a:defRPr sz="1600">
-                <a:solidFill>
-                  <a:schemeClr val="tx1"/>
-                </a:solidFill>
-                <a:latin typeface="+mn-lt"/>
-              </a:defRPr>
-            </a:lvl6pPr>
-            <a:lvl7pPr marL="2971800" indent="-228600" algn="l" rtl="0" fontAlgn="base">
-              <a:spcBef>
-                <a:spcPct val="20000"/>
-              </a:spcBef>
-              <a:spcAft>
-                <a:spcPct val="0"/>
-              </a:spcAft>
-              <a:buChar char="»"/>
-              <a:defRPr sz="1600">
-                <a:solidFill>
-                  <a:schemeClr val="tx1"/>
-                </a:solidFill>
-                <a:latin typeface="+mn-lt"/>
-              </a:defRPr>
-            </a:lvl7pPr>
-            <a:lvl8pPr marL="3429000" indent="-228600" algn="l" rtl="0" fontAlgn="base">
-              <a:spcBef>
-                <a:spcPct val="20000"/>
-              </a:spcBef>
-              <a:spcAft>
-                <a:spcPct val="0"/>
-              </a:spcAft>
-              <a:buChar char="»"/>
-              <a:defRPr sz="1600">
-                <a:solidFill>
-                  <a:schemeClr val="tx1"/>
-                </a:solidFill>
-                <a:latin typeface="+mn-lt"/>
-              </a:defRPr>
-            </a:lvl8pPr>
-            <a:lvl9pPr marL="3886200" indent="-228600" algn="l" rtl="0" fontAlgn="base">
-              <a:spcBef>
-                <a:spcPct val="20000"/>
-              </a:spcBef>
-              <a:spcAft>
-                <a:spcPct val="0"/>
-              </a:spcAft>
-              <a:buChar char="»"/>
-              <a:defRPr sz="1600">
-                <a:solidFill>
-                  <a:schemeClr val="tx1"/>
-                </a:solidFill>
-                <a:latin typeface="+mn-lt"/>
-              </a:defRPr>
-            </a:lvl9pPr>
-          </a:lstStyle>
-          <a:p>
-            <a:r>
-              <a:rPr lang="fr-FR" kern="0" dirty="0" smtClean="0"/>
-              <a:t>Les classes peuvent posséder des méthodes de traitements</a:t>
-            </a:r>
-          </a:p>
-          <a:p>
-            <a:r>
-              <a:rPr lang="fr-FR" kern="0" dirty="0" smtClean="0"/>
-              <a:t>Orienté action</a:t>
-            </a:r>
-          </a:p>
-          <a:p>
-            <a:pPr lvl="1"/>
-            <a:r>
-              <a:rPr lang="fr-FR" kern="0" dirty="0" smtClean="0"/>
-              <a:t>Verbes</a:t>
-            </a:r>
-            <a:endParaRPr lang="fr-FR" kern="0" dirty="0"/>
-          </a:p>
-        </p:txBody>
-      </p:sp>
-      <p:pic>
-        <p:nvPicPr>
-          <p:cNvPr id="7" name="Espace réservé du contenu 3"/>
-          <p:cNvPicPr>
-            <a:picLocks noGrp="1" noChangeAspect="1"/>
-          </p:cNvPicPr>
-          <p:nvPr>
-            <p:ph idx="1"/>
-          </p:nvPr>
-        </p:nvPicPr>
-        <p:blipFill>
-          <a:blip r:embed="rId2"/>
-          <a:stretch>
-            <a:fillRect/>
-          </a:stretch>
-        </p:blipFill>
-        <p:spPr>
-          <a:xfrm>
-            <a:off x="3025453" y="2348880"/>
-            <a:ext cx="5992118" cy="4164457"/>
-          </a:xfrm>
-          <a:prstGeom prst="rect">
-            <a:avLst/>
-          </a:prstGeom>
-        </p:spPr>
-      </p:pic>
-    </p:spTree>
-    <p:extLst>
-      <p:ext uri="{BB962C8B-B14F-4D97-AF65-F5344CB8AC3E}">
-        <p14:creationId xmlns:p14="http://schemas.microsoft.com/office/powerpoint/2010/main" val="2270657754"/>
-      </p:ext>
-    </p:extLst>
-  </p:cSld>
-  <p:clrMapOvr>
-    <a:masterClrMapping/>
-  </p:clrMapOvr>
   <p:timing>
     <p:tnLst>
       <p:par>
@@ -38627,6 +38474,200 @@
 </file>
 
 <file path=ppt/slides/slide48.xml><?xml version="1.0" encoding="utf-8"?>
+<p:sld xmlns:a="http://schemas.openxmlformats.org/drawingml/2006/main" xmlns:r="http://schemas.openxmlformats.org/officeDocument/2006/relationships" xmlns:p="http://schemas.openxmlformats.org/presentationml/2006/main">
+  <p:cSld>
+    <p:spTree>
+      <p:nvGrpSpPr>
+        <p:cNvPr id="1" name=""/>
+        <p:cNvGrpSpPr/>
+        <p:nvPr/>
+      </p:nvGrpSpPr>
+      <p:grpSpPr>
+        <a:xfrm>
+          <a:off x="0" y="0"/>
+          <a:ext cx="0" cy="0"/>
+          <a:chOff x="0" y="0"/>
+          <a:chExt cx="0" cy="0"/>
+        </a:xfrm>
+      </p:grpSpPr>
+      <p:sp>
+        <p:nvSpPr>
+          <p:cNvPr id="2" name="Titre 1"/>
+          <p:cNvSpPr>
+            <a:spLocks noGrp="1"/>
+          </p:cNvSpPr>
+          <p:nvPr>
+            <p:ph type="title"/>
+          </p:nvPr>
+        </p:nvSpPr>
+        <p:spPr/>
+        <p:txBody>
+          <a:bodyPr/>
+          <a:lstStyle/>
+          <a:p>
+            <a:r>
+              <a:rPr lang="fr-FR" dirty="0" smtClean="0"/>
+              <a:t>Imports absolues</a:t>
+            </a:r>
+            <a:endParaRPr lang="fr-FR" dirty="0"/>
+          </a:p>
+        </p:txBody>
+      </p:sp>
+      <p:sp>
+        <p:nvSpPr>
+          <p:cNvPr id="3" name="Espace réservé du contenu 2"/>
+          <p:cNvSpPr>
+            <a:spLocks noGrp="1"/>
+          </p:cNvSpPr>
+          <p:nvPr>
+            <p:ph idx="1"/>
+          </p:nvPr>
+        </p:nvSpPr>
+        <p:spPr/>
+        <p:txBody>
+          <a:bodyPr/>
+          <a:lstStyle/>
+          <a:p>
+            <a:r>
+              <a:rPr lang="fr-FR" dirty="0" smtClean="0"/>
+              <a:t>Il est possible d'importer les modules en absolue depuis le répertoire </a:t>
+            </a:r>
+            <a:r>
+              <a:rPr lang="fr-FR" dirty="0" err="1" smtClean="0"/>
+              <a:t>src</a:t>
+            </a:r>
+            <a:endParaRPr lang="fr-FR" dirty="0" smtClean="0"/>
+          </a:p>
+          <a:p>
+            <a:pPr lvl="1"/>
+            <a:r>
+              <a:rPr lang="fr-FR" dirty="0" err="1" smtClean="0"/>
+              <a:t>tsconfig.json</a:t>
+            </a:r>
+            <a:endParaRPr lang="fr-FR" dirty="0" smtClean="0"/>
+          </a:p>
+          <a:p>
+            <a:pPr marL="457200" lvl="1" indent="0">
+              <a:buNone/>
+            </a:pPr>
+            <a:r>
+              <a:rPr lang="fr-FR" dirty="0"/>
+              <a:t>{</a:t>
+            </a:r>
+          </a:p>
+          <a:p>
+            <a:pPr marL="457200" lvl="1" indent="0">
+              <a:buNone/>
+            </a:pPr>
+            <a:r>
+              <a:rPr lang="fr-FR" dirty="0"/>
+              <a:t>  "</a:t>
+            </a:r>
+            <a:r>
+              <a:rPr lang="fr-FR" dirty="0" err="1"/>
+              <a:t>compilerOptions</a:t>
+            </a:r>
+            <a:r>
+              <a:rPr lang="fr-FR" dirty="0"/>
+              <a:t>": {</a:t>
+            </a:r>
+          </a:p>
+          <a:p>
+            <a:pPr marL="457200" lvl="1" indent="0">
+              <a:buNone/>
+            </a:pPr>
+            <a:r>
+              <a:rPr lang="fr-FR" dirty="0"/>
+              <a:t>    "</a:t>
+            </a:r>
+            <a:r>
+              <a:rPr lang="fr-FR" dirty="0" err="1"/>
+              <a:t>baseUrl</a:t>
+            </a:r>
+            <a:r>
+              <a:rPr lang="fr-FR" dirty="0"/>
+              <a:t>": "./</a:t>
+            </a:r>
+            <a:r>
+              <a:rPr lang="fr-FR" dirty="0" err="1"/>
+              <a:t>src</a:t>
+            </a:r>
+            <a:r>
+              <a:rPr lang="fr-FR" dirty="0"/>
+              <a:t>"</a:t>
+            </a:r>
+          </a:p>
+          <a:p>
+            <a:pPr marL="457200" lvl="1" indent="0">
+              <a:buNone/>
+            </a:pPr>
+            <a:r>
+              <a:rPr lang="fr-FR" dirty="0"/>
+              <a:t>  }</a:t>
+            </a:r>
+          </a:p>
+          <a:p>
+            <a:pPr marL="457200" lvl="1" indent="0">
+              <a:buNone/>
+            </a:pPr>
+            <a:r>
+              <a:rPr lang="fr-FR" dirty="0" smtClean="0"/>
+              <a:t>}</a:t>
+            </a:r>
+          </a:p>
+          <a:p>
+            <a:r>
+              <a:rPr lang="fr-FR" dirty="0"/>
+              <a:t>import { </a:t>
+            </a:r>
+            <a:r>
+              <a:rPr lang="fr-FR" dirty="0" err="1"/>
+              <a:t>foo</a:t>
+            </a:r>
+            <a:r>
+              <a:rPr lang="fr-FR" dirty="0"/>
+              <a:t> } </a:t>
+            </a:r>
+            <a:r>
+              <a:rPr lang="fr-FR" dirty="0" err="1"/>
+              <a:t>from</a:t>
+            </a:r>
+            <a:r>
+              <a:rPr lang="fr-FR" dirty="0"/>
+              <a:t> ‘</a:t>
+            </a:r>
+            <a:r>
+              <a:rPr lang="fr-FR" dirty="0" err="1"/>
+              <a:t>app</a:t>
+            </a:r>
+            <a:r>
+              <a:rPr lang="fr-FR" dirty="0"/>
+              <a:t>/bar’</a:t>
+            </a:r>
+          </a:p>
+        </p:txBody>
+      </p:sp>
+    </p:spTree>
+    <p:extLst>
+      <p:ext uri="{BB962C8B-B14F-4D97-AF65-F5344CB8AC3E}">
+        <p14:creationId xmlns:p14="http://schemas.microsoft.com/office/powerpoint/2010/main" val="3027680455"/>
+      </p:ext>
+    </p:extLst>
+  </p:cSld>
+  <p:clrMapOvr>
+    <a:masterClrMapping/>
+  </p:clrMapOvr>
+  <p:timing>
+    <p:tnLst>
+      <p:par>
+        <p:cTn id="1" dur="indefinite" restart="never" nodeType="tmRoot"/>
+      </p:par>
+    </p:tnLst>
+  </p:timing>
+</p:sld>
+</file>
+
+<file path=ppt/slides/slide49.xml><?xml version="1.0" encoding="utf-8"?>
 <p:sld xmlns:a="http://schemas.openxmlformats.org/drawingml/2006/main" xmlns:r="http://schemas.openxmlformats.org/officeDocument/2006/relationships" xmlns:p="http://schemas.openxmlformats.org/presentationml/2006/main">
   <p:cSld>
     <p:spTree>

--- a/PPT/Angular10-TSOO.pptx
+++ b/PPT/Angular10-TSOO.pptx
@@ -19363,6 +19363,13 @@
   <p:clrMapOvr>
     <a:masterClrMapping/>
   </p:clrMapOvr>
+  <p:timing>
+    <p:tnLst>
+      <p:par>
+        <p:cTn id="1" dur="indefinite" restart="never" nodeType="tmRoot"/>
+      </p:par>
+    </p:tnLst>
+  </p:timing>
 </p:sld>
 </file>
 
@@ -19435,20 +19442,12 @@
           <a:p>
             <a:pPr lvl="1"/>
             <a:r>
-              <a:rPr lang="fr-FR" dirty="0" err="1"/>
+              <a:rPr lang="fr-FR" dirty="0" err="1" smtClean="0"/>
               <a:t>constructor</a:t>
             </a:r>
             <a:r>
-              <a:rPr lang="fr-FR" dirty="0"/>
-              <a:t>(</a:t>
-            </a:r>
-            <a:r>
-              <a:rPr lang="fr-FR" dirty="0" err="1"/>
-              <a:t>private</a:t>
-            </a:r>
-            <a:r>
-              <a:rPr lang="fr-FR" dirty="0"/>
-              <a:t> </a:t>
+              <a:rPr lang="fr-FR" dirty="0" smtClean="0"/>
+              <a:t>(public </a:t>
             </a:r>
             <a:r>
               <a:rPr lang="fr-FR" dirty="0" err="1"/>
@@ -19475,15 +19474,15 @@
             <a:pPr lvl="1"/>
             <a:r>
               <a:rPr lang="fr-FR" dirty="0" smtClean="0"/>
-              <a:t>Créer l’attribut </a:t>
-            </a:r>
-            <a:r>
-              <a:rPr lang="fr-FR" dirty="0" err="1" smtClean="0"/>
-              <a:t>private</a:t>
-            </a:r>
-            <a:r>
-              <a:rPr lang="fr-FR" dirty="0" smtClean="0"/>
-              <a:t> </a:t>
+              <a:t>Crée </a:t>
+            </a:r>
+            <a:r>
+              <a:rPr lang="fr-FR" smtClean="0"/>
+              <a:t>l’attribut </a:t>
+            </a:r>
+            <a:r>
+              <a:rPr lang="fr-FR" smtClean="0"/>
+              <a:t>public </a:t>
             </a:r>
             <a:r>
               <a:rPr lang="fr-FR" dirty="0" err="1" smtClean="0"/>
@@ -19498,11 +19497,7 @@
             <a:pPr lvl="1"/>
             <a:r>
               <a:rPr lang="fr-FR" dirty="0" smtClean="0"/>
-              <a:t>Peut avoir </a:t>
-            </a:r>
-            <a:r>
-              <a:rPr lang="fr-FR" smtClean="0"/>
-              <a:t>plusieurs paramètres</a:t>
+              <a:t>Peut avoir plusieurs paramètres</a:t>
             </a:r>
             <a:endParaRPr lang="fr-FR" dirty="0"/>
           </a:p>
@@ -33736,19 +33731,19 @@
           <a:p>
             <a:pPr eaLnBrk="1" hangingPunct="1"/>
             <a:r>
-              <a:rPr lang="fr-FR" altLang="fr-FR" smtClean="0"/>
+              <a:rPr lang="fr-FR" altLang="fr-FR" dirty="0" smtClean="0"/>
               <a:t>Une interface est un ensemble de méthodes abstraites et de constantes</a:t>
             </a:r>
           </a:p>
           <a:p>
             <a:pPr eaLnBrk="1" hangingPunct="1"/>
-            <a:endParaRPr lang="fr-FR" altLang="fr-FR" smtClean="0"/>
+            <a:endParaRPr lang="fr-FR" altLang="fr-FR" dirty="0" smtClean="0"/>
           </a:p>
           <a:p>
             <a:pPr eaLnBrk="1" hangingPunct="1"/>
             <a:r>
-              <a:rPr lang="fr-FR" altLang="fr-FR" smtClean="0"/>
-              <a:t>Une classe peut « implémenter » une ou plusieurs interface et « hériter » d’une classe</a:t>
+              <a:rPr lang="fr-FR" altLang="fr-FR" dirty="0" smtClean="0"/>
+              <a:t>Une classe peut « implémenter » une ou plusieurs interfaces et « hériter » d’une classe</a:t>
             </a:r>
           </a:p>
         </p:txBody>

--- a/PPT/Angular10-TSOO.pptx
+++ b/PPT/Angular10-TSOO.pptx
@@ -5,10 +5,10 @@
     <p:sldMasterId id="2147483653" r:id="rId1"/>
   </p:sldMasterIdLst>
   <p:notesMasterIdLst>
-    <p:notesMasterId r:id="rId51"/>
+    <p:notesMasterId r:id="rId50"/>
   </p:notesMasterIdLst>
   <p:handoutMasterIdLst>
-    <p:handoutMasterId r:id="rId52"/>
+    <p:handoutMasterId r:id="rId51"/>
   </p:handoutMasterIdLst>
   <p:sldIdLst>
     <p:sldId id="264" r:id="rId2"/>
@@ -56,10 +56,9 @@
     <p:sldId id="349" r:id="rId44"/>
     <p:sldId id="333" r:id="rId45"/>
     <p:sldId id="346" r:id="rId46"/>
-    <p:sldId id="334" r:id="rId47"/>
-    <p:sldId id="347" r:id="rId48"/>
-    <p:sldId id="350" r:id="rId49"/>
-    <p:sldId id="284" r:id="rId50"/>
+    <p:sldId id="347" r:id="rId47"/>
+    <p:sldId id="350" r:id="rId48"/>
+    <p:sldId id="284" r:id="rId49"/>
   </p:sldIdLst>
   <p:sldSz cx="9144000" cy="6858000" type="screen4x3"/>
   <p:notesSz cx="6648450" cy="9782175"/>
@@ -19478,11 +19477,7 @@
             </a:r>
             <a:r>
               <a:rPr lang="fr-FR" smtClean="0"/>
-              <a:t>l’attribut </a:t>
-            </a:r>
-            <a:r>
-              <a:rPr lang="fr-FR" smtClean="0"/>
-              <a:t>public </a:t>
+              <a:t>l’attribut public </a:t>
             </a:r>
             <a:r>
               <a:rPr lang="fr-FR" dirty="0" err="1" smtClean="0"/>
@@ -38171,8 +38166,8 @@
           <a:lstStyle/>
           <a:p>
             <a:r>
-              <a:rPr lang="fr-FR" dirty="0" err="1" smtClean="0"/>
-              <a:t>Namespace</a:t>
+              <a:rPr lang="fr-FR" dirty="0" smtClean="0"/>
+              <a:t>Import d’un fichier</a:t>
             </a:r>
             <a:endParaRPr lang="fr-FR" dirty="0"/>
           </a:p>
@@ -38188,98 +38183,112 @@
             <p:ph idx="1"/>
           </p:nvPr>
         </p:nvSpPr>
-        <p:spPr>
-          <a:xfrm>
-            <a:off x="179512" y="1412776"/>
-            <a:ext cx="8766051" cy="5040560"/>
-          </a:xfrm>
-        </p:spPr>
+        <p:spPr/>
         <p:txBody>
           <a:bodyPr/>
           <a:lstStyle/>
           <a:p>
             <a:r>
               <a:rPr lang="fr-FR" dirty="0" smtClean="0"/>
-              <a:t>Packages Java</a:t>
-            </a:r>
-          </a:p>
-          <a:p>
+              <a:t>Import </a:t>
+            </a:r>
+            <a:r>
+              <a:rPr lang="fr-FR" dirty="0" err="1" smtClean="0"/>
+              <a:t>from</a:t>
+            </a:r>
+            <a:endParaRPr lang="fr-FR" dirty="0" smtClean="0"/>
+          </a:p>
+          <a:p>
+            <a:pPr lvl="1"/>
             <a:r>
               <a:rPr lang="fr-FR" dirty="0" smtClean="0"/>
-              <a:t>Export veut dire public et visible à l’extérieur du module</a:t>
+              <a:t>Permet d’importer une classe d’un fichier</a:t>
             </a:r>
           </a:p>
           <a:p>
             <a:pPr lvl="1"/>
             <a:r>
               <a:rPr lang="fr-FR" dirty="0" smtClean="0"/>
-              <a:t>Equivalent au public de Java</a:t>
-            </a:r>
-          </a:p>
-          <a:p>
+              <a:t>Indépendant des </a:t>
+            </a:r>
             <a:r>
               <a:rPr lang="fr-FR" dirty="0" err="1" smtClean="0"/>
-              <a:t>Namespace</a:t>
+              <a:t>namespaces</a:t>
+            </a:r>
+            <a:endParaRPr lang="fr-FR" dirty="0" smtClean="0"/>
+          </a:p>
+          <a:p>
+            <a:pPr lvl="1"/>
+            <a:r>
+              <a:rPr lang="fr-FR" dirty="0"/>
+              <a:t>import { </a:t>
+            </a:r>
+            <a:r>
+              <a:rPr lang="fr-FR" dirty="0" err="1"/>
+              <a:t>Hero</a:t>
+            </a:r>
+            <a:r>
+              <a:rPr lang="fr-FR" dirty="0"/>
+              <a:t> } </a:t>
+            </a:r>
+            <a:r>
+              <a:rPr lang="fr-FR" dirty="0" err="1"/>
+              <a:t>from</a:t>
+            </a:r>
+            <a:r>
+              <a:rPr lang="fr-FR" dirty="0"/>
+              <a:t> '../</a:t>
+            </a:r>
+            <a:r>
+              <a:rPr lang="fr-FR" dirty="0" err="1"/>
+              <a:t>hero</a:t>
             </a:r>
             <a:r>
               <a:rPr lang="fr-FR" dirty="0" smtClean="0"/>
-              <a:t> + export</a:t>
-            </a:r>
+              <a:t>';</a:t>
+            </a:r>
+          </a:p>
+          <a:p>
+            <a:r>
+              <a:rPr lang="fr-FR" dirty="0" smtClean="0"/>
+              <a:t>@</a:t>
+            </a:r>
+            <a:r>
+              <a:rPr lang="fr-FR" dirty="0" err="1" smtClean="0"/>
+              <a:t>angular</a:t>
+            </a:r>
+            <a:r>
+              <a:rPr lang="fr-FR" dirty="0" smtClean="0"/>
+              <a:t> spécifie le répertoire d’installation d’</a:t>
+            </a:r>
+            <a:r>
+              <a:rPr lang="fr-FR" dirty="0" err="1" smtClean="0"/>
+              <a:t>Angular</a:t>
+            </a:r>
+            <a:endParaRPr lang="fr-FR" dirty="0" smtClean="0"/>
+          </a:p>
+          <a:p>
+            <a:pPr lvl="1"/>
+            <a:r>
+              <a:rPr lang="en-US" dirty="0"/>
+              <a:t>import { Component, </a:t>
+            </a:r>
+            <a:r>
+              <a:rPr lang="en-US" dirty="0" err="1"/>
+              <a:t>OnInit</a:t>
+            </a:r>
+            <a:r>
+              <a:rPr lang="en-US" dirty="0"/>
+              <a:t> } from '@angular/core';</a:t>
+            </a:r>
+            <a:endParaRPr lang="fr-FR" dirty="0"/>
           </a:p>
         </p:txBody>
       </p:sp>
-      <p:pic>
-        <p:nvPicPr>
-          <p:cNvPr id="4" name="Image 3"/>
-          <p:cNvPicPr>
-            <a:picLocks noChangeAspect="1"/>
-          </p:cNvPicPr>
-          <p:nvPr/>
-        </p:nvPicPr>
-        <p:blipFill>
-          <a:blip r:embed="rId2"/>
-          <a:stretch>
-            <a:fillRect/>
-          </a:stretch>
-        </p:blipFill>
-        <p:spPr>
-          <a:xfrm>
-            <a:off x="4211960" y="3646642"/>
-            <a:ext cx="4095750" cy="1828800"/>
-          </a:xfrm>
-          <a:prstGeom prst="rect">
-            <a:avLst/>
-          </a:prstGeom>
-        </p:spPr>
-      </p:pic>
-      <p:pic>
-        <p:nvPicPr>
-          <p:cNvPr id="5" name="Image 4"/>
-          <p:cNvPicPr>
-            <a:picLocks noChangeAspect="1"/>
-          </p:cNvPicPr>
-          <p:nvPr/>
-        </p:nvPicPr>
-        <p:blipFill>
-          <a:blip r:embed="rId3"/>
-          <a:stretch>
-            <a:fillRect/>
-          </a:stretch>
-        </p:blipFill>
-        <p:spPr>
-          <a:xfrm>
-            <a:off x="827584" y="5732009"/>
-            <a:ext cx="4686300" cy="419100"/>
-          </a:xfrm>
-          <a:prstGeom prst="rect">
-            <a:avLst/>
-          </a:prstGeom>
-        </p:spPr>
-      </p:pic>
     </p:spTree>
     <p:extLst>
       <p:ext uri="{BB962C8B-B14F-4D97-AF65-F5344CB8AC3E}">
-        <p14:creationId xmlns:p14="http://schemas.microsoft.com/office/powerpoint/2010/main" val="1475882562"/>
+        <p14:creationId xmlns:p14="http://schemas.microsoft.com/office/powerpoint/2010/main" val="1392008351"/>
       </p:ext>
     </p:extLst>
   </p:cSld>
@@ -38330,178 +38339,6 @@
           <a:p>
             <a:r>
               <a:rPr lang="fr-FR" dirty="0" smtClean="0"/>
-              <a:t>Import d’un fichier</a:t>
-            </a:r>
-            <a:endParaRPr lang="fr-FR" dirty="0"/>
-          </a:p>
-        </p:txBody>
-      </p:sp>
-      <p:sp>
-        <p:nvSpPr>
-          <p:cNvPr id="3" name="Espace réservé du contenu 2"/>
-          <p:cNvSpPr>
-            <a:spLocks noGrp="1"/>
-          </p:cNvSpPr>
-          <p:nvPr>
-            <p:ph idx="1"/>
-          </p:nvPr>
-        </p:nvSpPr>
-        <p:spPr/>
-        <p:txBody>
-          <a:bodyPr/>
-          <a:lstStyle/>
-          <a:p>
-            <a:r>
-              <a:rPr lang="fr-FR" dirty="0" smtClean="0"/>
-              <a:t>Import </a:t>
-            </a:r>
-            <a:r>
-              <a:rPr lang="fr-FR" dirty="0" err="1" smtClean="0"/>
-              <a:t>from</a:t>
-            </a:r>
-            <a:endParaRPr lang="fr-FR" dirty="0" smtClean="0"/>
-          </a:p>
-          <a:p>
-            <a:pPr lvl="1"/>
-            <a:r>
-              <a:rPr lang="fr-FR" dirty="0" smtClean="0"/>
-              <a:t>Permet d’importer une classe d’un fichier</a:t>
-            </a:r>
-          </a:p>
-          <a:p>
-            <a:pPr lvl="1"/>
-            <a:r>
-              <a:rPr lang="fr-FR" dirty="0" smtClean="0"/>
-              <a:t>Indépendant des </a:t>
-            </a:r>
-            <a:r>
-              <a:rPr lang="fr-FR" dirty="0" err="1" smtClean="0"/>
-              <a:t>namespaces</a:t>
-            </a:r>
-            <a:endParaRPr lang="fr-FR" dirty="0" smtClean="0"/>
-          </a:p>
-          <a:p>
-            <a:pPr lvl="1"/>
-            <a:r>
-              <a:rPr lang="fr-FR" dirty="0"/>
-              <a:t>import { </a:t>
-            </a:r>
-            <a:r>
-              <a:rPr lang="fr-FR" dirty="0" err="1"/>
-              <a:t>Hero</a:t>
-            </a:r>
-            <a:r>
-              <a:rPr lang="fr-FR" dirty="0"/>
-              <a:t> } </a:t>
-            </a:r>
-            <a:r>
-              <a:rPr lang="fr-FR" dirty="0" err="1"/>
-              <a:t>from</a:t>
-            </a:r>
-            <a:r>
-              <a:rPr lang="fr-FR" dirty="0"/>
-              <a:t> '../</a:t>
-            </a:r>
-            <a:r>
-              <a:rPr lang="fr-FR" dirty="0" err="1"/>
-              <a:t>hero</a:t>
-            </a:r>
-            <a:r>
-              <a:rPr lang="fr-FR" dirty="0" smtClean="0"/>
-              <a:t>';</a:t>
-            </a:r>
-          </a:p>
-          <a:p>
-            <a:r>
-              <a:rPr lang="fr-FR" dirty="0" smtClean="0"/>
-              <a:t>@</a:t>
-            </a:r>
-            <a:r>
-              <a:rPr lang="fr-FR" dirty="0" err="1" smtClean="0"/>
-              <a:t>angular</a:t>
-            </a:r>
-            <a:r>
-              <a:rPr lang="fr-FR" dirty="0" smtClean="0"/>
-              <a:t> spécifie le répertoire d’installation d’</a:t>
-            </a:r>
-            <a:r>
-              <a:rPr lang="fr-FR" dirty="0" err="1" smtClean="0"/>
-              <a:t>Angular</a:t>
-            </a:r>
-            <a:endParaRPr lang="fr-FR" dirty="0" smtClean="0"/>
-          </a:p>
-          <a:p>
-            <a:pPr lvl="1"/>
-            <a:r>
-              <a:rPr lang="en-US" dirty="0"/>
-              <a:t>import { Component, </a:t>
-            </a:r>
-            <a:r>
-              <a:rPr lang="en-US" dirty="0" err="1"/>
-              <a:t>OnInit</a:t>
-            </a:r>
-            <a:r>
-              <a:rPr lang="en-US" dirty="0"/>
-              <a:t> } from '@angular/core';</a:t>
-            </a:r>
-            <a:endParaRPr lang="fr-FR" dirty="0"/>
-          </a:p>
-        </p:txBody>
-      </p:sp>
-    </p:spTree>
-    <p:extLst>
-      <p:ext uri="{BB962C8B-B14F-4D97-AF65-F5344CB8AC3E}">
-        <p14:creationId xmlns:p14="http://schemas.microsoft.com/office/powerpoint/2010/main" val="1392008351"/>
-      </p:ext>
-    </p:extLst>
-  </p:cSld>
-  <p:clrMapOvr>
-    <a:masterClrMapping/>
-  </p:clrMapOvr>
-  <p:timing>
-    <p:tnLst>
-      <p:par>
-        <p:cTn id="1" dur="indefinite" restart="never" nodeType="tmRoot"/>
-      </p:par>
-    </p:tnLst>
-  </p:timing>
-</p:sld>
-</file>
-
-<file path=ppt/slides/slide48.xml><?xml version="1.0" encoding="utf-8"?>
-<p:sld xmlns:a="http://schemas.openxmlformats.org/drawingml/2006/main" xmlns:r="http://schemas.openxmlformats.org/officeDocument/2006/relationships" xmlns:p="http://schemas.openxmlformats.org/presentationml/2006/main">
-  <p:cSld>
-    <p:spTree>
-      <p:nvGrpSpPr>
-        <p:cNvPr id="1" name=""/>
-        <p:cNvGrpSpPr/>
-        <p:nvPr/>
-      </p:nvGrpSpPr>
-      <p:grpSpPr>
-        <a:xfrm>
-          <a:off x="0" y="0"/>
-          <a:ext cx="0" cy="0"/>
-          <a:chOff x="0" y="0"/>
-          <a:chExt cx="0" cy="0"/>
-        </a:xfrm>
-      </p:grpSpPr>
-      <p:sp>
-        <p:nvSpPr>
-          <p:cNvPr id="2" name="Titre 1"/>
-          <p:cNvSpPr>
-            <a:spLocks noGrp="1"/>
-          </p:cNvSpPr>
-          <p:nvPr>
-            <p:ph type="title"/>
-          </p:nvPr>
-        </p:nvSpPr>
-        <p:spPr/>
-        <p:txBody>
-          <a:bodyPr/>
-          <a:lstStyle/>
-          <a:p>
-            <a:r>
-              <a:rPr lang="fr-FR" dirty="0" smtClean="0"/>
               <a:t>Imports absolues</a:t>
             </a:r>
             <a:endParaRPr lang="fr-FR" dirty="0"/>
@@ -38662,7 +38499,7 @@
 </p:sld>
 </file>
 
-<file path=ppt/slides/slide49.xml><?xml version="1.0" encoding="utf-8"?>
+<file path=ppt/slides/slide48.xml><?xml version="1.0" encoding="utf-8"?>
 <p:sld xmlns:a="http://schemas.openxmlformats.org/drawingml/2006/main" xmlns:r="http://schemas.openxmlformats.org/officeDocument/2006/relationships" xmlns:p="http://schemas.openxmlformats.org/presentationml/2006/main">
   <p:cSld>
     <p:spTree>
